--- a/_doc/swing_mobile_architecture.pptx
+++ b/_doc/swing_mobile_architecture.pptx
@@ -270,7 +270,7 @@
           <a:p>
             <a:fld id="{960314FD-2F43-47DE-82DB-1AC87A82684D}" type="datetimeFigureOut">
               <a:rPr lang="ko-KR" altLang="en-US" smtClean="0"/>
-              <a:t>2018-12-04</a:t>
+              <a:t>2018-12-11</a:t>
             </a:fld>
             <a:endParaRPr lang="ko-KR" altLang="en-US"/>
           </a:p>
@@ -468,7 +468,7 @@
           <a:p>
             <a:fld id="{960314FD-2F43-47DE-82DB-1AC87A82684D}" type="datetimeFigureOut">
               <a:rPr lang="ko-KR" altLang="en-US" smtClean="0"/>
-              <a:t>2018-12-04</a:t>
+              <a:t>2018-12-11</a:t>
             </a:fld>
             <a:endParaRPr lang="ko-KR" altLang="en-US"/>
           </a:p>
@@ -676,7 +676,7 @@
           <a:p>
             <a:fld id="{960314FD-2F43-47DE-82DB-1AC87A82684D}" type="datetimeFigureOut">
               <a:rPr lang="ko-KR" altLang="en-US" smtClean="0"/>
-              <a:t>2018-12-04</a:t>
+              <a:t>2018-12-11</a:t>
             </a:fld>
             <a:endParaRPr lang="ko-KR" altLang="en-US"/>
           </a:p>
@@ -874,7 +874,7 @@
           <a:p>
             <a:fld id="{960314FD-2F43-47DE-82DB-1AC87A82684D}" type="datetimeFigureOut">
               <a:rPr lang="ko-KR" altLang="en-US" smtClean="0"/>
-              <a:t>2018-12-04</a:t>
+              <a:t>2018-12-11</a:t>
             </a:fld>
             <a:endParaRPr lang="ko-KR" altLang="en-US"/>
           </a:p>
@@ -1149,7 +1149,7 @@
           <a:p>
             <a:fld id="{960314FD-2F43-47DE-82DB-1AC87A82684D}" type="datetimeFigureOut">
               <a:rPr lang="ko-KR" altLang="en-US" smtClean="0"/>
-              <a:t>2018-12-04</a:t>
+              <a:t>2018-12-11</a:t>
             </a:fld>
             <a:endParaRPr lang="ko-KR" altLang="en-US"/>
           </a:p>
@@ -1414,7 +1414,7 @@
           <a:p>
             <a:fld id="{960314FD-2F43-47DE-82DB-1AC87A82684D}" type="datetimeFigureOut">
               <a:rPr lang="ko-KR" altLang="en-US" smtClean="0"/>
-              <a:t>2018-12-04</a:t>
+              <a:t>2018-12-11</a:t>
             </a:fld>
             <a:endParaRPr lang="ko-KR" altLang="en-US"/>
           </a:p>
@@ -1826,7 +1826,7 @@
           <a:p>
             <a:fld id="{960314FD-2F43-47DE-82DB-1AC87A82684D}" type="datetimeFigureOut">
               <a:rPr lang="ko-KR" altLang="en-US" smtClean="0"/>
-              <a:t>2018-12-04</a:t>
+              <a:t>2018-12-11</a:t>
             </a:fld>
             <a:endParaRPr lang="ko-KR" altLang="en-US"/>
           </a:p>
@@ -1967,7 +1967,7 @@
           <a:p>
             <a:fld id="{960314FD-2F43-47DE-82DB-1AC87A82684D}" type="datetimeFigureOut">
               <a:rPr lang="ko-KR" altLang="en-US" smtClean="0"/>
-              <a:t>2018-12-04</a:t>
+              <a:t>2018-12-11</a:t>
             </a:fld>
             <a:endParaRPr lang="ko-KR" altLang="en-US"/>
           </a:p>
@@ -2080,7 +2080,7 @@
           <a:p>
             <a:fld id="{960314FD-2F43-47DE-82DB-1AC87A82684D}" type="datetimeFigureOut">
               <a:rPr lang="ko-KR" altLang="en-US" smtClean="0"/>
-              <a:t>2018-12-04</a:t>
+              <a:t>2018-12-11</a:t>
             </a:fld>
             <a:endParaRPr lang="ko-KR" altLang="en-US"/>
           </a:p>
@@ -2391,7 +2391,7 @@
           <a:p>
             <a:fld id="{960314FD-2F43-47DE-82DB-1AC87A82684D}" type="datetimeFigureOut">
               <a:rPr lang="ko-KR" altLang="en-US" smtClean="0"/>
-              <a:t>2018-12-04</a:t>
+              <a:t>2018-12-11</a:t>
             </a:fld>
             <a:endParaRPr lang="ko-KR" altLang="en-US"/>
           </a:p>
@@ -2679,7 +2679,7 @@
           <a:p>
             <a:fld id="{960314FD-2F43-47DE-82DB-1AC87A82684D}" type="datetimeFigureOut">
               <a:rPr lang="ko-KR" altLang="en-US" smtClean="0"/>
-              <a:t>2018-12-04</a:t>
+              <a:t>2018-12-11</a:t>
             </a:fld>
             <a:endParaRPr lang="ko-KR" altLang="en-US"/>
           </a:p>
@@ -2920,7 +2920,7 @@
           <a:p>
             <a:fld id="{960314FD-2F43-47DE-82DB-1AC87A82684D}" type="datetimeFigureOut">
               <a:rPr lang="ko-KR" altLang="en-US" smtClean="0"/>
-              <a:t>2018-12-04</a:t>
+              <a:t>2018-12-11</a:t>
             </a:fld>
             <a:endParaRPr lang="ko-KR" altLang="en-US"/>
           </a:p>

--- a/_doc/swing_mobile_architecture.pptx
+++ b/_doc/swing_mobile_architecture.pptx
@@ -6,6 +6,7 @@
   </p:sldMasterIdLst>
   <p:sldIdLst>
     <p:sldId id="256" r:id="rId2"/>
+    <p:sldId id="257" r:id="rId3"/>
   </p:sldIdLst>
   <p:sldSz cx="12192000" cy="6858000"/>
   <p:notesSz cx="6858000" cy="9144000"/>
@@ -270,7 +271,7 @@
           <a:p>
             <a:fld id="{960314FD-2F43-47DE-82DB-1AC87A82684D}" type="datetimeFigureOut">
               <a:rPr lang="ko-KR" altLang="en-US" smtClean="0"/>
-              <a:t>2018-12-11</a:t>
+              <a:t>2018-12-12</a:t>
             </a:fld>
             <a:endParaRPr lang="ko-KR" altLang="en-US"/>
           </a:p>
@@ -468,7 +469,7 @@
           <a:p>
             <a:fld id="{960314FD-2F43-47DE-82DB-1AC87A82684D}" type="datetimeFigureOut">
               <a:rPr lang="ko-KR" altLang="en-US" smtClean="0"/>
-              <a:t>2018-12-11</a:t>
+              <a:t>2018-12-12</a:t>
             </a:fld>
             <a:endParaRPr lang="ko-KR" altLang="en-US"/>
           </a:p>
@@ -676,7 +677,7 @@
           <a:p>
             <a:fld id="{960314FD-2F43-47DE-82DB-1AC87A82684D}" type="datetimeFigureOut">
               <a:rPr lang="ko-KR" altLang="en-US" smtClean="0"/>
-              <a:t>2018-12-11</a:t>
+              <a:t>2018-12-12</a:t>
             </a:fld>
             <a:endParaRPr lang="ko-KR" altLang="en-US"/>
           </a:p>
@@ -874,7 +875,7 @@
           <a:p>
             <a:fld id="{960314FD-2F43-47DE-82DB-1AC87A82684D}" type="datetimeFigureOut">
               <a:rPr lang="ko-KR" altLang="en-US" smtClean="0"/>
-              <a:t>2018-12-11</a:t>
+              <a:t>2018-12-12</a:t>
             </a:fld>
             <a:endParaRPr lang="ko-KR" altLang="en-US"/>
           </a:p>
@@ -1149,7 +1150,7 @@
           <a:p>
             <a:fld id="{960314FD-2F43-47DE-82DB-1AC87A82684D}" type="datetimeFigureOut">
               <a:rPr lang="ko-KR" altLang="en-US" smtClean="0"/>
-              <a:t>2018-12-11</a:t>
+              <a:t>2018-12-12</a:t>
             </a:fld>
             <a:endParaRPr lang="ko-KR" altLang="en-US"/>
           </a:p>
@@ -1414,7 +1415,7 @@
           <a:p>
             <a:fld id="{960314FD-2F43-47DE-82DB-1AC87A82684D}" type="datetimeFigureOut">
               <a:rPr lang="ko-KR" altLang="en-US" smtClean="0"/>
-              <a:t>2018-12-11</a:t>
+              <a:t>2018-12-12</a:t>
             </a:fld>
             <a:endParaRPr lang="ko-KR" altLang="en-US"/>
           </a:p>
@@ -1826,7 +1827,7 @@
           <a:p>
             <a:fld id="{960314FD-2F43-47DE-82DB-1AC87A82684D}" type="datetimeFigureOut">
               <a:rPr lang="ko-KR" altLang="en-US" smtClean="0"/>
-              <a:t>2018-12-11</a:t>
+              <a:t>2018-12-12</a:t>
             </a:fld>
             <a:endParaRPr lang="ko-KR" altLang="en-US"/>
           </a:p>
@@ -1967,7 +1968,7 @@
           <a:p>
             <a:fld id="{960314FD-2F43-47DE-82DB-1AC87A82684D}" type="datetimeFigureOut">
               <a:rPr lang="ko-KR" altLang="en-US" smtClean="0"/>
-              <a:t>2018-12-11</a:t>
+              <a:t>2018-12-12</a:t>
             </a:fld>
             <a:endParaRPr lang="ko-KR" altLang="en-US"/>
           </a:p>
@@ -2080,7 +2081,7 @@
           <a:p>
             <a:fld id="{960314FD-2F43-47DE-82DB-1AC87A82684D}" type="datetimeFigureOut">
               <a:rPr lang="ko-KR" altLang="en-US" smtClean="0"/>
-              <a:t>2018-12-11</a:t>
+              <a:t>2018-12-12</a:t>
             </a:fld>
             <a:endParaRPr lang="ko-KR" altLang="en-US"/>
           </a:p>
@@ -2391,7 +2392,7 @@
           <a:p>
             <a:fld id="{960314FD-2F43-47DE-82DB-1AC87A82684D}" type="datetimeFigureOut">
               <a:rPr lang="ko-KR" altLang="en-US" smtClean="0"/>
-              <a:t>2018-12-11</a:t>
+              <a:t>2018-12-12</a:t>
             </a:fld>
             <a:endParaRPr lang="ko-KR" altLang="en-US"/>
           </a:p>
@@ -2679,7 +2680,7 @@
           <a:p>
             <a:fld id="{960314FD-2F43-47DE-82DB-1AC87A82684D}" type="datetimeFigureOut">
               <a:rPr lang="ko-KR" altLang="en-US" smtClean="0"/>
-              <a:t>2018-12-11</a:t>
+              <a:t>2018-12-12</a:t>
             </a:fld>
             <a:endParaRPr lang="ko-KR" altLang="en-US"/>
           </a:p>
@@ -2920,7 +2921,7 @@
           <a:p>
             <a:fld id="{960314FD-2F43-47DE-82DB-1AC87A82684D}" type="datetimeFigureOut">
               <a:rPr lang="ko-KR" altLang="en-US" smtClean="0"/>
-              <a:t>2018-12-11</a:t>
+              <a:t>2018-12-12</a:t>
             </a:fld>
             <a:endParaRPr lang="ko-KR" altLang="en-US"/>
           </a:p>
@@ -3366,7 +3367,7 @@
         </p:blipFill>
         <p:spPr bwMode="auto">
           <a:xfrm>
-            <a:off x="4317731" y="1139925"/>
+            <a:off x="4258409" y="2163862"/>
             <a:ext cx="3556533" cy="1296250"/>
           </a:xfrm>
           <a:prstGeom prst="rect">
@@ -3507,7 +3508,7 @@
         </p:blipFill>
         <p:spPr bwMode="auto">
           <a:xfrm>
-            <a:off x="8690524" y="3638341"/>
+            <a:off x="8536304" y="4484711"/>
             <a:ext cx="2582174" cy="1003955"/>
           </a:xfrm>
           <a:prstGeom prst="rect">
@@ -3831,7 +3832,7 @@
         </p:blipFill>
         <p:spPr bwMode="auto">
           <a:xfrm>
-            <a:off x="5461477" y="3042640"/>
+            <a:off x="5509793" y="3455993"/>
             <a:ext cx="1269040" cy="1269040"/>
           </a:xfrm>
           <a:prstGeom prst="rect">
@@ -3896,89 +3897,110 @@
           </a:extLst>
         </p:spPr>
       </p:pic>
-      <p:pic>
-        <p:nvPicPr>
-          <p:cNvPr id="1056" name="Picture 32" descr="vue i18nì ëí ì´ë¯¸ì§ ê²ìê²°ê³¼">
-            <a:extLst>
-              <a:ext uri="{FF2B5EF4-FFF2-40B4-BE49-F238E27FC236}">
-                <a16:creationId xmlns:a16="http://schemas.microsoft.com/office/drawing/2014/main" id="{3035E1F1-1B1D-4F2A-AAA0-D0DD78C342E1}"/>
-              </a:ext>
-            </a:extLst>
-          </p:cNvPr>
-          <p:cNvPicPr>
-            <a:picLocks noChangeAspect="1" noChangeArrowheads="1"/>
-          </p:cNvPicPr>
+      <p:grpSp>
+        <p:nvGrpSpPr>
+          <p:cNvPr id="2" name="그룹 1">
+            <a:extLst>
+              <a:ext uri="{FF2B5EF4-FFF2-40B4-BE49-F238E27FC236}">
+                <a16:creationId xmlns:a16="http://schemas.microsoft.com/office/drawing/2014/main" id="{564E4284-B163-4650-99CF-71FA29686C2A}"/>
+              </a:ext>
+            </a:extLst>
+          </p:cNvPr>
+          <p:cNvGrpSpPr/>
           <p:nvPr/>
-        </p:nvPicPr>
-        <p:blipFill>
-          <a:blip r:embed="rId13">
-            <a:extLst>
-              <a:ext uri="{28A0092B-C50C-407E-A947-70E740481C1C}">
-                <a14:useLocalDpi xmlns:a14="http://schemas.microsoft.com/office/drawing/2010/main" val="0"/>
-              </a:ext>
-            </a:extLst>
-          </a:blip>
-          <a:srcRect/>
-          <a:stretch>
-            <a:fillRect/>
-          </a:stretch>
-        </p:blipFill>
-        <p:spPr bwMode="auto">
+        </p:nvGrpSpPr>
+        <p:grpSpPr>
           <a:xfrm>
-            <a:off x="9026999" y="1400495"/>
-            <a:ext cx="1219200" cy="1066800"/>
+            <a:off x="9372011" y="1352795"/>
+            <a:ext cx="1219200" cy="1436132"/>
+            <a:chOff x="9026999" y="1400495"/>
+            <a:chExt cx="1219200" cy="1436132"/>
           </a:xfrm>
-          <a:prstGeom prst="rect">
-            <a:avLst/>
-          </a:prstGeom>
-          <a:noFill/>
-          <a:extLst>
-            <a:ext uri="{909E8E84-426E-40DD-AFC4-6F175D3DCCD1}">
-              <a14:hiddenFill xmlns:a14="http://schemas.microsoft.com/office/drawing/2010/main">
-                <a:solidFill>
-                  <a:srgbClr val="FFFFFF"/>
-                </a:solidFill>
-              </a14:hiddenFill>
-            </a:ext>
-          </a:extLst>
-        </p:spPr>
-      </p:pic>
-      <p:sp>
-        <p:nvSpPr>
-          <p:cNvPr id="8" name="TextBox 7">
-            <a:extLst>
-              <a:ext uri="{FF2B5EF4-FFF2-40B4-BE49-F238E27FC236}">
-                <a16:creationId xmlns:a16="http://schemas.microsoft.com/office/drawing/2014/main" id="{5027A21F-68F1-4DA5-B0B5-5C75DE62132E}"/>
-              </a:ext>
-            </a:extLst>
-          </p:cNvPr>
-          <p:cNvSpPr txBox="1"/>
-          <p:nvPr/>
-        </p:nvSpPr>
-        <p:spPr>
-          <a:xfrm>
-            <a:off x="9066362" y="2587926"/>
-            <a:ext cx="1002197" cy="369332"/>
-          </a:xfrm>
-          <a:prstGeom prst="rect">
-            <a:avLst/>
-          </a:prstGeom>
-          <a:noFill/>
-        </p:spPr>
-        <p:txBody>
-          <a:bodyPr wrap="square" rtlCol="0">
-            <a:spAutoFit/>
-          </a:bodyPr>
-          <a:lstStyle/>
-          <a:p>
-            <a:r>
-              <a:rPr lang="en-US" altLang="ko-KR" dirty="0"/>
-              <a:t>vueI18n</a:t>
-            </a:r>
-            <a:endParaRPr lang="ko-KR" altLang="en-US" dirty="0"/>
-          </a:p>
-        </p:txBody>
-      </p:sp>
+        </p:grpSpPr>
+        <p:pic>
+          <p:nvPicPr>
+            <p:cNvPr id="1056" name="Picture 32" descr="vue i18nì ëí ì´ë¯¸ì§ ê²ìê²°ê³¼">
+              <a:extLst>
+                <a:ext uri="{FF2B5EF4-FFF2-40B4-BE49-F238E27FC236}">
+                  <a16:creationId xmlns:a16="http://schemas.microsoft.com/office/drawing/2014/main" id="{3035E1F1-1B1D-4F2A-AAA0-D0DD78C342E1}"/>
+                </a:ext>
+              </a:extLst>
+            </p:cNvPr>
+            <p:cNvPicPr>
+              <a:picLocks noChangeAspect="1" noChangeArrowheads="1"/>
+            </p:cNvPicPr>
+            <p:nvPr/>
+          </p:nvPicPr>
+          <p:blipFill>
+            <a:blip r:embed="rId13">
+              <a:extLst>
+                <a:ext uri="{28A0092B-C50C-407E-A947-70E740481C1C}">
+                  <a14:useLocalDpi xmlns:a14="http://schemas.microsoft.com/office/drawing/2010/main" val="0"/>
+                </a:ext>
+              </a:extLst>
+            </a:blip>
+            <a:srcRect/>
+            <a:stretch>
+              <a:fillRect/>
+            </a:stretch>
+          </p:blipFill>
+          <p:spPr bwMode="auto">
+            <a:xfrm>
+              <a:off x="9026999" y="1400495"/>
+              <a:ext cx="1219200" cy="1066800"/>
+            </a:xfrm>
+            <a:prstGeom prst="rect">
+              <a:avLst/>
+            </a:prstGeom>
+            <a:noFill/>
+            <a:extLst>
+              <a:ext uri="{909E8E84-426E-40DD-AFC4-6F175D3DCCD1}">
+                <a14:hiddenFill xmlns:a14="http://schemas.microsoft.com/office/drawing/2010/main">
+                  <a:solidFill>
+                    <a:srgbClr val="FFFFFF"/>
+                  </a:solidFill>
+                </a14:hiddenFill>
+              </a:ext>
+            </a:extLst>
+          </p:spPr>
+        </p:pic>
+        <p:sp>
+          <p:nvSpPr>
+            <p:cNvPr id="8" name="TextBox 7">
+              <a:extLst>
+                <a:ext uri="{FF2B5EF4-FFF2-40B4-BE49-F238E27FC236}">
+                  <a16:creationId xmlns:a16="http://schemas.microsoft.com/office/drawing/2014/main" id="{5027A21F-68F1-4DA5-B0B5-5C75DE62132E}"/>
+                </a:ext>
+              </a:extLst>
+            </p:cNvPr>
+            <p:cNvSpPr txBox="1"/>
+            <p:nvPr/>
+          </p:nvSpPr>
+          <p:spPr>
+            <a:xfrm>
+              <a:off x="9135500" y="2467295"/>
+              <a:ext cx="1002197" cy="369332"/>
+            </a:xfrm>
+            <a:prstGeom prst="rect">
+              <a:avLst/>
+            </a:prstGeom>
+            <a:noFill/>
+          </p:spPr>
+          <p:txBody>
+            <a:bodyPr wrap="square" rtlCol="0">
+              <a:spAutoFit/>
+            </a:bodyPr>
+            <a:lstStyle/>
+            <a:p>
+              <a:r>
+                <a:rPr lang="en-US" altLang="ko-KR" dirty="0"/>
+                <a:t>vueI18n</a:t>
+              </a:r>
+              <a:endParaRPr lang="ko-KR" altLang="en-US" dirty="0"/>
+            </a:p>
+          </p:txBody>
+        </p:sp>
+      </p:grpSp>
       <p:pic>
         <p:nvPicPr>
           <p:cNvPr id="1058" name="Picture 34" descr="echartì ëí ì´ë¯¸ì§ ê²ìê²°ê³¼">
@@ -4026,10 +4048,184 @@
           </a:extLst>
         </p:spPr>
       </p:pic>
+      <p:pic>
+        <p:nvPicPr>
+          <p:cNvPr id="1026" name="Picture 2" descr="eslintì ëí ì´ë¯¸ì§ ê²ìê²°ê³¼">
+            <a:extLst>
+              <a:ext uri="{FF2B5EF4-FFF2-40B4-BE49-F238E27FC236}">
+                <a16:creationId xmlns:a16="http://schemas.microsoft.com/office/drawing/2014/main" id="{C5D6F17F-9014-4A3A-B9B5-840127605D06}"/>
+              </a:ext>
+            </a:extLst>
+          </p:cNvPr>
+          <p:cNvPicPr>
+            <a:picLocks noChangeAspect="1" noChangeArrowheads="1"/>
+          </p:cNvPicPr>
+          <p:nvPr/>
+        </p:nvPicPr>
+        <p:blipFill>
+          <a:blip r:embed="rId15">
+            <a:extLst>
+              <a:ext uri="{28A0092B-C50C-407E-A947-70E740481C1C}">
+                <a14:useLocalDpi xmlns:a14="http://schemas.microsoft.com/office/drawing/2010/main" val="0"/>
+              </a:ext>
+            </a:extLst>
+          </a:blip>
+          <a:srcRect/>
+          <a:stretch>
+            <a:fillRect/>
+          </a:stretch>
+        </p:blipFill>
+        <p:spPr bwMode="auto">
+          <a:xfrm>
+            <a:off x="8747823" y="3742870"/>
+            <a:ext cx="1745870" cy="863105"/>
+          </a:xfrm>
+          <a:prstGeom prst="rect">
+            <a:avLst/>
+          </a:prstGeom>
+          <a:noFill/>
+          <a:extLst>
+            <a:ext uri="{909E8E84-426E-40DD-AFC4-6F175D3DCCD1}">
+              <a14:hiddenFill xmlns:a14="http://schemas.microsoft.com/office/drawing/2010/main">
+                <a:solidFill>
+                  <a:srgbClr val="FFFFFF"/>
+                </a:solidFill>
+              </a14:hiddenFill>
+            </a:ext>
+          </a:extLst>
+        </p:spPr>
+      </p:pic>
+      <p:pic>
+        <p:nvPicPr>
+          <p:cNvPr id="3" name="Picture 4" descr="vue routerì ëí ì´ë¯¸ì§ ê²ìê²°ê³¼">
+            <a:extLst>
+              <a:ext uri="{FF2B5EF4-FFF2-40B4-BE49-F238E27FC236}">
+                <a16:creationId xmlns:a16="http://schemas.microsoft.com/office/drawing/2014/main" id="{A5B5C81A-A5B0-41C9-82C4-5FA10253A2D2}"/>
+              </a:ext>
+            </a:extLst>
+          </p:cNvPr>
+          <p:cNvPicPr>
+            <a:picLocks noChangeAspect="1" noChangeArrowheads="1"/>
+          </p:cNvPicPr>
+          <p:nvPr/>
+        </p:nvPicPr>
+        <p:blipFill>
+          <a:blip r:embed="rId16">
+            <a:extLst>
+              <a:ext uri="{28A0092B-C50C-407E-A947-70E740481C1C}">
+                <a14:useLocalDpi xmlns:a14="http://schemas.microsoft.com/office/drawing/2010/main" val="0"/>
+              </a:ext>
+            </a:extLst>
+          </a:blip>
+          <a:srcRect/>
+          <a:stretch>
+            <a:fillRect/>
+          </a:stretch>
+        </p:blipFill>
+        <p:spPr bwMode="auto">
+          <a:xfrm>
+            <a:off x="5158013" y="904930"/>
+            <a:ext cx="1972600" cy="935701"/>
+          </a:xfrm>
+          <a:prstGeom prst="rect">
+            <a:avLst/>
+          </a:prstGeom>
+          <a:noFill/>
+          <a:extLst>
+            <a:ext uri="{909E8E84-426E-40DD-AFC4-6F175D3DCCD1}">
+              <a14:hiddenFill xmlns:a14="http://schemas.microsoft.com/office/drawing/2010/main">
+                <a:solidFill>
+                  <a:srgbClr val="FFFFFF"/>
+                </a:solidFill>
+              </a14:hiddenFill>
+            </a:ext>
+          </a:extLst>
+        </p:spPr>
+      </p:pic>
     </p:spTree>
     <p:extLst>
       <p:ext uri="{BB962C8B-B14F-4D97-AF65-F5344CB8AC3E}">
         <p14:creationId xmlns:p14="http://schemas.microsoft.com/office/powerpoint/2010/main" val="2506174738"/>
+      </p:ext>
+    </p:extLst>
+  </p:cSld>
+  <p:clrMapOvr>
+    <a:masterClrMapping/>
+  </p:clrMapOvr>
+</p:sld>
+</file>
+
+<file path=ppt/slides/slide2.xml><?xml version="1.0" encoding="utf-8"?>
+<p:sld xmlns:a="http://schemas.openxmlformats.org/drawingml/2006/main" xmlns:r="http://schemas.openxmlformats.org/officeDocument/2006/relationships" xmlns:p="http://schemas.openxmlformats.org/presentationml/2006/main">
+  <p:cSld>
+    <p:spTree>
+      <p:nvGrpSpPr>
+        <p:cNvPr id="1" name=""/>
+        <p:cNvGrpSpPr/>
+        <p:nvPr/>
+      </p:nvGrpSpPr>
+      <p:grpSpPr>
+        <a:xfrm>
+          <a:off x="0" y="0"/>
+          <a:ext cx="0" cy="0"/>
+          <a:chOff x="0" y="0"/>
+          <a:chExt cx="0" cy="0"/>
+        </a:xfrm>
+      </p:grpSpPr>
+      <p:sp>
+        <p:nvSpPr>
+          <p:cNvPr id="2" name="제목 1">
+            <a:extLst>
+              <a:ext uri="{FF2B5EF4-FFF2-40B4-BE49-F238E27FC236}">
+                <a16:creationId xmlns:a16="http://schemas.microsoft.com/office/drawing/2014/main" id="{A3DC727F-17F5-42CC-9F6B-18F827ABDB57}"/>
+              </a:ext>
+            </a:extLst>
+          </p:cNvPr>
+          <p:cNvSpPr>
+            <a:spLocks noGrp="1"/>
+          </p:cNvSpPr>
+          <p:nvPr>
+            <p:ph type="title"/>
+          </p:nvPr>
+        </p:nvSpPr>
+        <p:spPr/>
+        <p:txBody>
+          <a:bodyPr/>
+          <a:lstStyle/>
+          <a:p>
+            <a:endParaRPr lang="ko-KR" altLang="en-US"/>
+          </a:p>
+        </p:txBody>
+      </p:sp>
+      <p:sp>
+        <p:nvSpPr>
+          <p:cNvPr id="3" name="내용 개체 틀 2">
+            <a:extLst>
+              <a:ext uri="{FF2B5EF4-FFF2-40B4-BE49-F238E27FC236}">
+                <a16:creationId xmlns:a16="http://schemas.microsoft.com/office/drawing/2014/main" id="{E20503A2-F8BC-4E2B-B4AC-DD182A08DE45}"/>
+              </a:ext>
+            </a:extLst>
+          </p:cNvPr>
+          <p:cNvSpPr>
+            <a:spLocks noGrp="1"/>
+          </p:cNvSpPr>
+          <p:nvPr>
+            <p:ph idx="1"/>
+          </p:nvPr>
+        </p:nvSpPr>
+        <p:spPr/>
+        <p:txBody>
+          <a:bodyPr/>
+          <a:lstStyle/>
+          <a:p>
+            <a:endParaRPr lang="ko-KR" altLang="en-US"/>
+          </a:p>
+        </p:txBody>
+      </p:sp>
+    </p:spTree>
+    <p:extLst>
+      <p:ext uri="{BB962C8B-B14F-4D97-AF65-F5344CB8AC3E}">
+        <p14:creationId xmlns:p14="http://schemas.microsoft.com/office/powerpoint/2010/main" val="1134330621"/>
       </p:ext>
     </p:extLst>
   </p:cSld>

--- a/_doc/swing_mobile_architecture.pptx
+++ b/_doc/swing_mobile_architecture.pptx
@@ -6,7 +6,8 @@
   </p:sldMasterIdLst>
   <p:sldIdLst>
     <p:sldId id="256" r:id="rId2"/>
-    <p:sldId id="257" r:id="rId3"/>
+    <p:sldId id="258" r:id="rId3"/>
+    <p:sldId id="257" r:id="rId4"/>
   </p:sldIdLst>
   <p:sldSz cx="12192000" cy="6858000"/>
   <p:notesSz cx="6858000" cy="9144000"/>
@@ -108,7 +109,7 @@
   <p:extLst>
     <p:ext uri="{EFAFB233-063F-42B5-8137-9DF3F51BA10A}">
       <p15:sldGuideLst xmlns:p15="http://schemas.microsoft.com/office/powerpoint/2012/main">
-        <p15:guide id="1" orient="horz" pos="2160" userDrawn="1">
+        <p15:guide id="1" orient="horz" pos="2183" userDrawn="1">
           <p15:clr>
             <a:srgbClr val="A4A3A4"/>
           </p15:clr>
@@ -271,7 +272,7 @@
           <a:p>
             <a:fld id="{960314FD-2F43-47DE-82DB-1AC87A82684D}" type="datetimeFigureOut">
               <a:rPr lang="ko-KR" altLang="en-US" smtClean="0"/>
-              <a:t>2018-12-12</a:t>
+              <a:t>2018-12-17</a:t>
             </a:fld>
             <a:endParaRPr lang="ko-KR" altLang="en-US"/>
           </a:p>
@@ -469,7 +470,7 @@
           <a:p>
             <a:fld id="{960314FD-2F43-47DE-82DB-1AC87A82684D}" type="datetimeFigureOut">
               <a:rPr lang="ko-KR" altLang="en-US" smtClean="0"/>
-              <a:t>2018-12-12</a:t>
+              <a:t>2018-12-17</a:t>
             </a:fld>
             <a:endParaRPr lang="ko-KR" altLang="en-US"/>
           </a:p>
@@ -677,7 +678,7 @@
           <a:p>
             <a:fld id="{960314FD-2F43-47DE-82DB-1AC87A82684D}" type="datetimeFigureOut">
               <a:rPr lang="ko-KR" altLang="en-US" smtClean="0"/>
-              <a:t>2018-12-12</a:t>
+              <a:t>2018-12-17</a:t>
             </a:fld>
             <a:endParaRPr lang="ko-KR" altLang="en-US"/>
           </a:p>
@@ -875,7 +876,7 @@
           <a:p>
             <a:fld id="{960314FD-2F43-47DE-82DB-1AC87A82684D}" type="datetimeFigureOut">
               <a:rPr lang="ko-KR" altLang="en-US" smtClean="0"/>
-              <a:t>2018-12-12</a:t>
+              <a:t>2018-12-17</a:t>
             </a:fld>
             <a:endParaRPr lang="ko-KR" altLang="en-US"/>
           </a:p>
@@ -1150,7 +1151,7 @@
           <a:p>
             <a:fld id="{960314FD-2F43-47DE-82DB-1AC87A82684D}" type="datetimeFigureOut">
               <a:rPr lang="ko-KR" altLang="en-US" smtClean="0"/>
-              <a:t>2018-12-12</a:t>
+              <a:t>2018-12-17</a:t>
             </a:fld>
             <a:endParaRPr lang="ko-KR" altLang="en-US"/>
           </a:p>
@@ -1415,7 +1416,7 @@
           <a:p>
             <a:fld id="{960314FD-2F43-47DE-82DB-1AC87A82684D}" type="datetimeFigureOut">
               <a:rPr lang="ko-KR" altLang="en-US" smtClean="0"/>
-              <a:t>2018-12-12</a:t>
+              <a:t>2018-12-17</a:t>
             </a:fld>
             <a:endParaRPr lang="ko-KR" altLang="en-US"/>
           </a:p>
@@ -1827,7 +1828,7 @@
           <a:p>
             <a:fld id="{960314FD-2F43-47DE-82DB-1AC87A82684D}" type="datetimeFigureOut">
               <a:rPr lang="ko-KR" altLang="en-US" smtClean="0"/>
-              <a:t>2018-12-12</a:t>
+              <a:t>2018-12-17</a:t>
             </a:fld>
             <a:endParaRPr lang="ko-KR" altLang="en-US"/>
           </a:p>
@@ -1968,7 +1969,7 @@
           <a:p>
             <a:fld id="{960314FD-2F43-47DE-82DB-1AC87A82684D}" type="datetimeFigureOut">
               <a:rPr lang="ko-KR" altLang="en-US" smtClean="0"/>
-              <a:t>2018-12-12</a:t>
+              <a:t>2018-12-17</a:t>
             </a:fld>
             <a:endParaRPr lang="ko-KR" altLang="en-US"/>
           </a:p>
@@ -2081,7 +2082,7 @@
           <a:p>
             <a:fld id="{960314FD-2F43-47DE-82DB-1AC87A82684D}" type="datetimeFigureOut">
               <a:rPr lang="ko-KR" altLang="en-US" smtClean="0"/>
-              <a:t>2018-12-12</a:t>
+              <a:t>2018-12-17</a:t>
             </a:fld>
             <a:endParaRPr lang="ko-KR" altLang="en-US"/>
           </a:p>
@@ -2392,7 +2393,7 @@
           <a:p>
             <a:fld id="{960314FD-2F43-47DE-82DB-1AC87A82684D}" type="datetimeFigureOut">
               <a:rPr lang="ko-KR" altLang="en-US" smtClean="0"/>
-              <a:t>2018-12-12</a:t>
+              <a:t>2018-12-17</a:t>
             </a:fld>
             <a:endParaRPr lang="ko-KR" altLang="en-US"/>
           </a:p>
@@ -2680,7 +2681,7 @@
           <a:p>
             <a:fld id="{960314FD-2F43-47DE-82DB-1AC87A82684D}" type="datetimeFigureOut">
               <a:rPr lang="ko-KR" altLang="en-US" smtClean="0"/>
-              <a:t>2018-12-12</a:t>
+              <a:t>2018-12-17</a:t>
             </a:fld>
             <a:endParaRPr lang="ko-KR" altLang="en-US"/>
           </a:p>
@@ -2921,7 +2922,7 @@
           <a:p>
             <a:fld id="{960314FD-2F43-47DE-82DB-1AC87A82684D}" type="datetimeFigureOut">
               <a:rPr lang="ko-KR" altLang="en-US" smtClean="0"/>
-              <a:t>2018-12-12</a:t>
+              <a:t>2018-12-17</a:t>
             </a:fld>
             <a:endParaRPr lang="ko-KR" altLang="en-US"/>
           </a:p>
@@ -4172,60 +4173,3062 @@
           <a:chExt cx="0" cy="0"/>
         </a:xfrm>
       </p:grpSpPr>
+      <p:grpSp>
+        <p:nvGrpSpPr>
+          <p:cNvPr id="10" name="그룹 9">
+            <a:extLst>
+              <a:ext uri="{FF2B5EF4-FFF2-40B4-BE49-F238E27FC236}">
+                <a16:creationId xmlns:a16="http://schemas.microsoft.com/office/drawing/2014/main" id="{7726407D-9027-4291-BF55-160946935686}"/>
+              </a:ext>
+            </a:extLst>
+          </p:cNvPr>
+          <p:cNvGrpSpPr/>
+          <p:nvPr/>
+        </p:nvGrpSpPr>
+        <p:grpSpPr>
+          <a:xfrm>
+            <a:off x="1412413" y="5247400"/>
+            <a:ext cx="1778547" cy="1216152"/>
+            <a:chOff x="848189" y="5247400"/>
+            <a:chExt cx="1778547" cy="1216152"/>
+          </a:xfrm>
+        </p:grpSpPr>
+        <p:sp>
+          <p:nvSpPr>
+            <p:cNvPr id="5" name="정육면체 4">
+              <a:extLst>
+                <a:ext uri="{FF2B5EF4-FFF2-40B4-BE49-F238E27FC236}">
+                  <a16:creationId xmlns:a16="http://schemas.microsoft.com/office/drawing/2014/main" id="{B51A864D-B6AF-4FAB-8102-D62452B533F9}"/>
+                </a:ext>
+              </a:extLst>
+            </p:cNvPr>
+            <p:cNvSpPr/>
+            <p:nvPr/>
+          </p:nvSpPr>
+          <p:spPr>
+            <a:xfrm>
+              <a:off x="848189" y="5247400"/>
+              <a:ext cx="1778547" cy="1216152"/>
+            </a:xfrm>
+            <a:prstGeom prst="cube">
+              <a:avLst/>
+            </a:prstGeom>
+            <a:solidFill>
+              <a:schemeClr val="bg1"/>
+            </a:solidFill>
+            <a:ln>
+              <a:solidFill>
+                <a:schemeClr val="bg1">
+                  <a:lumMod val="50000"/>
+                </a:schemeClr>
+              </a:solidFill>
+            </a:ln>
+          </p:spPr>
+          <p:style>
+            <a:lnRef idx="2">
+              <a:schemeClr val="accent1">
+                <a:shade val="50000"/>
+              </a:schemeClr>
+            </a:lnRef>
+            <a:fillRef idx="1">
+              <a:schemeClr val="accent1"/>
+            </a:fillRef>
+            <a:effectRef idx="0">
+              <a:schemeClr val="accent1"/>
+            </a:effectRef>
+            <a:fontRef idx="minor">
+              <a:schemeClr val="lt1"/>
+            </a:fontRef>
+          </p:style>
+          <p:txBody>
+            <a:bodyPr rtlCol="0" anchor="ctr"/>
+            <a:lstStyle/>
+            <a:p>
+              <a:pPr algn="ctr"/>
+              <a:endParaRPr lang="ko-KR" altLang="en-US"/>
+            </a:p>
+          </p:txBody>
+        </p:sp>
+        <p:pic>
+          <p:nvPicPr>
+            <p:cNvPr id="1032" name="Picture 8" descr="node.jsì ëí ì´ë¯¸ì§ ê²ìê²°ê³¼">
+              <a:extLst>
+                <a:ext uri="{FF2B5EF4-FFF2-40B4-BE49-F238E27FC236}">
+                  <a16:creationId xmlns:a16="http://schemas.microsoft.com/office/drawing/2014/main" id="{155F7D31-84B4-4A96-8DF2-88A34BDCFD8B}"/>
+                </a:ext>
+              </a:extLst>
+            </p:cNvPr>
+            <p:cNvPicPr>
+              <a:picLocks noChangeAspect="1" noChangeArrowheads="1"/>
+            </p:cNvPicPr>
+            <p:nvPr/>
+          </p:nvPicPr>
+          <p:blipFill>
+            <a:blip r:embed="rId2">
+              <a:extLst>
+                <a:ext uri="{28A0092B-C50C-407E-A947-70E740481C1C}">
+                  <a14:useLocalDpi xmlns:a14="http://schemas.microsoft.com/office/drawing/2010/main" val="0"/>
+                </a:ext>
+              </a:extLst>
+            </a:blip>
+            <a:srcRect/>
+            <a:stretch>
+              <a:fillRect/>
+            </a:stretch>
+          </p:blipFill>
+          <p:spPr bwMode="auto">
+            <a:xfrm>
+              <a:off x="991456" y="5669521"/>
+              <a:ext cx="1279330" cy="638808"/>
+            </a:xfrm>
+            <a:prstGeom prst="rect">
+              <a:avLst/>
+            </a:prstGeom>
+            <a:noFill/>
+            <a:extLst>
+              <a:ext uri="{909E8E84-426E-40DD-AFC4-6F175D3DCCD1}">
+                <a14:hiddenFill xmlns:a14="http://schemas.microsoft.com/office/drawing/2010/main">
+                  <a:solidFill>
+                    <a:srgbClr val="FFFFFF"/>
+                  </a:solidFill>
+                </a14:hiddenFill>
+              </a:ext>
+            </a:extLst>
+          </p:spPr>
+        </p:pic>
+      </p:grpSp>
       <p:sp>
         <p:nvSpPr>
-          <p:cNvPr id="2" name="제목 1">
-            <a:extLst>
-              <a:ext uri="{FF2B5EF4-FFF2-40B4-BE49-F238E27FC236}">
-                <a16:creationId xmlns:a16="http://schemas.microsoft.com/office/drawing/2014/main" id="{A3DC727F-17F5-42CC-9F6B-18F827ABDB57}"/>
-              </a:ext>
-            </a:extLst>
-          </p:cNvPr>
-          <p:cNvSpPr>
-            <a:spLocks noGrp="1"/>
-          </p:cNvSpPr>
-          <p:nvPr>
-            <p:ph type="title"/>
-          </p:nvPr>
+          <p:cNvPr id="7" name="TextBox 6">
+            <a:extLst>
+              <a:ext uri="{FF2B5EF4-FFF2-40B4-BE49-F238E27FC236}">
+                <a16:creationId xmlns:a16="http://schemas.microsoft.com/office/drawing/2014/main" id="{526263D9-C8A8-4172-A05A-D8586718FFE0}"/>
+              </a:ext>
+            </a:extLst>
+          </p:cNvPr>
+          <p:cNvSpPr txBox="1"/>
+          <p:nvPr/>
         </p:nvSpPr>
-        <p:spPr/>
+        <p:spPr>
+          <a:xfrm>
+            <a:off x="3635832" y="998248"/>
+            <a:ext cx="5216493" cy="584775"/>
+          </a:xfrm>
+          <a:prstGeom prst="rect">
+            <a:avLst/>
+          </a:prstGeom>
+          <a:noFill/>
+        </p:spPr>
         <p:txBody>
-          <a:bodyPr/>
+          <a:bodyPr wrap="none" rtlCol="0">
+            <a:spAutoFit/>
+          </a:bodyPr>
           <a:lstStyle/>
           <a:p>
-            <a:endParaRPr lang="ko-KR" altLang="en-US"/>
+            <a:r>
+              <a:rPr lang="en-US" altLang="ko-KR" sz="3200" dirty="0">
+                <a:solidFill>
+                  <a:srgbClr val="0070C0"/>
+                </a:solidFill>
+                <a:latin typeface="Aharoni" panose="02010803020104030203" pitchFamily="2" charset="-79"/>
+                <a:cs typeface="Aharoni" panose="02010803020104030203" pitchFamily="2" charset="-79"/>
+              </a:rPr>
+              <a:t>swing mobile Architecture</a:t>
+            </a:r>
+            <a:endParaRPr lang="ko-KR" altLang="en-US" sz="3200" dirty="0">
+              <a:solidFill>
+                <a:srgbClr val="0070C0"/>
+              </a:solidFill>
+              <a:latin typeface="Aharoni" panose="02010803020104030203" pitchFamily="2" charset="-79"/>
+              <a:cs typeface="Aharoni" panose="02010803020104030203" pitchFamily="2" charset="-79"/>
+            </a:endParaRPr>
           </a:p>
         </p:txBody>
       </p:sp>
+      <p:grpSp>
+        <p:nvGrpSpPr>
+          <p:cNvPr id="11" name="그룹 10">
+            <a:extLst>
+              <a:ext uri="{FF2B5EF4-FFF2-40B4-BE49-F238E27FC236}">
+                <a16:creationId xmlns:a16="http://schemas.microsoft.com/office/drawing/2014/main" id="{ADB28D67-AC76-4B8C-A345-3DE922B3A9F8}"/>
+              </a:ext>
+            </a:extLst>
+          </p:cNvPr>
+          <p:cNvGrpSpPr/>
+          <p:nvPr/>
+        </p:nvGrpSpPr>
+        <p:grpSpPr>
+          <a:xfrm>
+            <a:off x="2875991" y="5247400"/>
+            <a:ext cx="9064369" cy="1216152"/>
+            <a:chOff x="2311767" y="5247400"/>
+            <a:chExt cx="9064369" cy="1216152"/>
+          </a:xfrm>
+          <a:solidFill>
+            <a:schemeClr val="bg1"/>
+          </a:solidFill>
+        </p:grpSpPr>
+        <p:sp>
+          <p:nvSpPr>
+            <p:cNvPr id="22" name="정육면체 21">
+              <a:extLst>
+                <a:ext uri="{FF2B5EF4-FFF2-40B4-BE49-F238E27FC236}">
+                  <a16:creationId xmlns:a16="http://schemas.microsoft.com/office/drawing/2014/main" id="{22C4C4DC-AC27-419D-9B59-E840251158C5}"/>
+                </a:ext>
+              </a:extLst>
+            </p:cNvPr>
+            <p:cNvSpPr/>
+            <p:nvPr/>
+          </p:nvSpPr>
+          <p:spPr>
+            <a:xfrm>
+              <a:off x="2311767" y="5247400"/>
+              <a:ext cx="9064369" cy="1216152"/>
+            </a:xfrm>
+            <a:prstGeom prst="cube">
+              <a:avLst/>
+            </a:prstGeom>
+            <a:grpFill/>
+            <a:ln>
+              <a:solidFill>
+                <a:schemeClr val="bg1">
+                  <a:lumMod val="50000"/>
+                </a:schemeClr>
+              </a:solidFill>
+            </a:ln>
+          </p:spPr>
+          <p:style>
+            <a:lnRef idx="2">
+              <a:schemeClr val="accent1">
+                <a:shade val="50000"/>
+              </a:schemeClr>
+            </a:lnRef>
+            <a:fillRef idx="1">
+              <a:schemeClr val="accent1"/>
+            </a:fillRef>
+            <a:effectRef idx="0">
+              <a:schemeClr val="accent1"/>
+            </a:effectRef>
+            <a:fontRef idx="minor">
+              <a:schemeClr val="lt1"/>
+            </a:fontRef>
+          </p:style>
+          <p:txBody>
+            <a:bodyPr rtlCol="0" anchor="ctr"/>
+            <a:lstStyle/>
+            <a:p>
+              <a:pPr algn="ctr"/>
+              <a:endParaRPr lang="ko-KR" altLang="en-US"/>
+            </a:p>
+          </p:txBody>
+        </p:sp>
+        <p:pic>
+          <p:nvPicPr>
+            <p:cNvPr id="1034" name="Picture 10" descr="cordovaì ëí ì´ë¯¸ì§ ê²ìê²°ê³¼">
+              <a:extLst>
+                <a:ext uri="{FF2B5EF4-FFF2-40B4-BE49-F238E27FC236}">
+                  <a16:creationId xmlns:a16="http://schemas.microsoft.com/office/drawing/2014/main" id="{2461E170-44A5-4CF7-80BC-93CD399259CB}"/>
+                </a:ext>
+              </a:extLst>
+            </p:cNvPr>
+            <p:cNvPicPr>
+              <a:picLocks noChangeAspect="1" noChangeArrowheads="1"/>
+            </p:cNvPicPr>
+            <p:nvPr/>
+          </p:nvPicPr>
+          <p:blipFill>
+            <a:blip r:embed="rId3">
+              <a:extLst>
+                <a:ext uri="{28A0092B-C50C-407E-A947-70E740481C1C}">
+                  <a14:useLocalDpi xmlns:a14="http://schemas.microsoft.com/office/drawing/2010/main" val="0"/>
+                </a:ext>
+              </a:extLst>
+            </a:blip>
+            <a:srcRect/>
+            <a:stretch>
+              <a:fillRect/>
+            </a:stretch>
+          </p:blipFill>
+          <p:spPr bwMode="auto">
+            <a:xfrm>
+              <a:off x="4251102" y="5745460"/>
+              <a:ext cx="1939505" cy="577306"/>
+            </a:xfrm>
+            <a:prstGeom prst="rect">
+              <a:avLst/>
+            </a:prstGeom>
+            <a:grpFill/>
+            <a:extLst>
+              <a:ext uri="{909E8E84-426E-40DD-AFC4-6F175D3DCCD1}">
+                <a14:hiddenFill xmlns:a14="http://schemas.microsoft.com/office/drawing/2010/main">
+                  <a:solidFill>
+                    <a:srgbClr val="FFFFFF"/>
+                  </a:solidFill>
+                </a14:hiddenFill>
+              </a:ext>
+            </a:extLst>
+          </p:spPr>
+        </p:pic>
+        <p:pic>
+          <p:nvPicPr>
+            <p:cNvPr id="1036" name="Picture 12" descr="webpackì ëí ì´ë¯¸ì§ ê²ìê²°ê³¼">
+              <a:extLst>
+                <a:ext uri="{FF2B5EF4-FFF2-40B4-BE49-F238E27FC236}">
+                  <a16:creationId xmlns:a16="http://schemas.microsoft.com/office/drawing/2014/main" id="{D4A227A6-20E7-4B7C-BB27-F64D407E9A7F}"/>
+                </a:ext>
+              </a:extLst>
+            </p:cNvPr>
+            <p:cNvPicPr>
+              <a:picLocks noChangeAspect="1" noChangeArrowheads="1"/>
+            </p:cNvPicPr>
+            <p:nvPr/>
+          </p:nvPicPr>
+          <p:blipFill>
+            <a:blip r:embed="rId4">
+              <a:extLst>
+                <a:ext uri="{28A0092B-C50C-407E-A947-70E740481C1C}">
+                  <a14:useLocalDpi xmlns:a14="http://schemas.microsoft.com/office/drawing/2010/main" val="0"/>
+                </a:ext>
+              </a:extLst>
+            </a:blip>
+            <a:srcRect/>
+            <a:stretch>
+              <a:fillRect/>
+            </a:stretch>
+          </p:blipFill>
+          <p:spPr bwMode="auto">
+            <a:xfrm>
+              <a:off x="8559392" y="5637821"/>
+              <a:ext cx="2038531" cy="792585"/>
+            </a:xfrm>
+            <a:prstGeom prst="rect">
+              <a:avLst/>
+            </a:prstGeom>
+            <a:grpFill/>
+            <a:extLst>
+              <a:ext uri="{909E8E84-426E-40DD-AFC4-6F175D3DCCD1}">
+                <a14:hiddenFill xmlns:a14="http://schemas.microsoft.com/office/drawing/2010/main">
+                  <a:solidFill>
+                    <a:srgbClr val="FFFFFF"/>
+                  </a:solidFill>
+                </a14:hiddenFill>
+              </a:ext>
+            </a:extLst>
+          </p:spPr>
+        </p:pic>
+        <p:pic>
+          <p:nvPicPr>
+            <p:cNvPr id="1048" name="Picture 24" descr="npmì ëí ì´ë¯¸ì§ ê²ìê²°ê³¼">
+              <a:extLst>
+                <a:ext uri="{FF2B5EF4-FFF2-40B4-BE49-F238E27FC236}">
+                  <a16:creationId xmlns:a16="http://schemas.microsoft.com/office/drawing/2014/main" id="{E0E063AF-9147-40C2-A6FC-DE94A50D5136}"/>
+                </a:ext>
+              </a:extLst>
+            </p:cNvPr>
+            <p:cNvPicPr>
+              <a:picLocks noChangeAspect="1" noChangeArrowheads="1"/>
+            </p:cNvPicPr>
+            <p:nvPr/>
+          </p:nvPicPr>
+          <p:blipFill>
+            <a:blip r:embed="rId5">
+              <a:extLst>
+                <a:ext uri="{28A0092B-C50C-407E-A947-70E740481C1C}">
+                  <a14:useLocalDpi xmlns:a14="http://schemas.microsoft.com/office/drawing/2010/main" val="0"/>
+                </a:ext>
+              </a:extLst>
+            </a:blip>
+            <a:srcRect/>
+            <a:stretch>
+              <a:fillRect/>
+            </a:stretch>
+          </p:blipFill>
+          <p:spPr bwMode="auto">
+            <a:xfrm>
+              <a:off x="2878276" y="5800083"/>
+              <a:ext cx="863280" cy="468061"/>
+            </a:xfrm>
+            <a:prstGeom prst="rect">
+              <a:avLst/>
+            </a:prstGeom>
+            <a:grpFill/>
+            <a:extLst>
+              <a:ext uri="{909E8E84-426E-40DD-AFC4-6F175D3DCCD1}">
+                <a14:hiddenFill xmlns:a14="http://schemas.microsoft.com/office/drawing/2010/main">
+                  <a:solidFill>
+                    <a:srgbClr val="FFFFFF"/>
+                  </a:solidFill>
+                </a14:hiddenFill>
+              </a:ext>
+            </a:extLst>
+          </p:spPr>
+        </p:pic>
+        <p:pic>
+          <p:nvPicPr>
+            <p:cNvPr id="1026" name="Picture 2" descr="eslintì ëí ì´ë¯¸ì§ ê²ìê²°ê³¼">
+              <a:extLst>
+                <a:ext uri="{FF2B5EF4-FFF2-40B4-BE49-F238E27FC236}">
+                  <a16:creationId xmlns:a16="http://schemas.microsoft.com/office/drawing/2014/main" id="{C5D6F17F-9014-4A3A-B9B5-840127605D06}"/>
+                </a:ext>
+              </a:extLst>
+            </p:cNvPr>
+            <p:cNvPicPr>
+              <a:picLocks noChangeAspect="1" noChangeArrowheads="1"/>
+            </p:cNvPicPr>
+            <p:nvPr/>
+          </p:nvPicPr>
+          <p:blipFill>
+            <a:blip r:embed="rId6">
+              <a:extLst>
+                <a:ext uri="{28A0092B-C50C-407E-A947-70E740481C1C}">
+                  <a14:useLocalDpi xmlns:a14="http://schemas.microsoft.com/office/drawing/2010/main" val="0"/>
+                </a:ext>
+              </a:extLst>
+            </a:blip>
+            <a:srcRect/>
+            <a:stretch>
+              <a:fillRect/>
+            </a:stretch>
+          </p:blipFill>
+          <p:spPr bwMode="auto">
+            <a:xfrm>
+              <a:off x="6700153" y="5700490"/>
+              <a:ext cx="1349693" cy="667247"/>
+            </a:xfrm>
+            <a:prstGeom prst="rect">
+              <a:avLst/>
+            </a:prstGeom>
+            <a:grpFill/>
+            <a:extLst>
+              <a:ext uri="{909E8E84-426E-40DD-AFC4-6F175D3DCCD1}">
+                <a14:hiddenFill xmlns:a14="http://schemas.microsoft.com/office/drawing/2010/main">
+                  <a:solidFill>
+                    <a:srgbClr val="FFFFFF"/>
+                  </a:solidFill>
+                </a14:hiddenFill>
+              </a:ext>
+            </a:extLst>
+          </p:spPr>
+        </p:pic>
+      </p:grpSp>
       <p:sp>
         <p:nvSpPr>
-          <p:cNvPr id="3" name="내용 개체 틀 2">
-            <a:extLst>
-              <a:ext uri="{FF2B5EF4-FFF2-40B4-BE49-F238E27FC236}">
-                <a16:creationId xmlns:a16="http://schemas.microsoft.com/office/drawing/2014/main" id="{E20503A2-F8BC-4E2B-B4AC-DD182A08DE45}"/>
-              </a:ext>
-            </a:extLst>
-          </p:cNvPr>
-          <p:cNvSpPr>
-            <a:spLocks noGrp="1"/>
-          </p:cNvSpPr>
-          <p:nvPr>
-            <p:ph idx="1"/>
-          </p:nvPr>
+          <p:cNvPr id="28" name="정육면체 27">
+            <a:extLst>
+              <a:ext uri="{FF2B5EF4-FFF2-40B4-BE49-F238E27FC236}">
+                <a16:creationId xmlns:a16="http://schemas.microsoft.com/office/drawing/2014/main" id="{13BC1778-DF6C-4E49-AE5E-42DCD6409A7C}"/>
+              </a:ext>
+            </a:extLst>
+          </p:cNvPr>
+          <p:cNvSpPr/>
+          <p:nvPr/>
         </p:nvSpPr>
-        <p:spPr/>
+        <p:spPr>
+          <a:xfrm>
+            <a:off x="1412413" y="4328626"/>
+            <a:ext cx="10527947" cy="1216152"/>
+          </a:xfrm>
+          <a:prstGeom prst="cube">
+            <a:avLst/>
+          </a:prstGeom>
+          <a:solidFill>
+            <a:schemeClr val="bg1"/>
+          </a:solidFill>
+          <a:ln>
+            <a:solidFill>
+              <a:schemeClr val="bg1">
+                <a:lumMod val="50000"/>
+              </a:schemeClr>
+            </a:solidFill>
+          </a:ln>
+        </p:spPr>
+        <p:style>
+          <a:lnRef idx="2">
+            <a:schemeClr val="accent1">
+              <a:shade val="50000"/>
+            </a:schemeClr>
+          </a:lnRef>
+          <a:fillRef idx="1">
+            <a:schemeClr val="accent1"/>
+          </a:fillRef>
+          <a:effectRef idx="0">
+            <a:schemeClr val="accent1"/>
+          </a:effectRef>
+          <a:fontRef idx="minor">
+            <a:schemeClr val="lt1"/>
+          </a:fontRef>
+        </p:style>
         <p:txBody>
-          <a:bodyPr/>
+          <a:bodyPr rtlCol="0" anchor="ctr"/>
           <a:lstStyle/>
           <a:p>
+            <a:pPr algn="ctr"/>
             <a:endParaRPr lang="ko-KR" altLang="en-US"/>
+          </a:p>
+        </p:txBody>
+      </p:sp>
+      <p:pic>
+        <p:nvPicPr>
+          <p:cNvPr id="1052" name="Picture 28" descr="vue.jsì ëí ì´ë¯¸ì§ ê²ìê²°ê³¼">
+            <a:extLst>
+              <a:ext uri="{FF2B5EF4-FFF2-40B4-BE49-F238E27FC236}">
+                <a16:creationId xmlns:a16="http://schemas.microsoft.com/office/drawing/2014/main" id="{62A6CB3A-48B4-4A47-BAA0-D5D5FDAD44D1}"/>
+              </a:ext>
+            </a:extLst>
+          </p:cNvPr>
+          <p:cNvPicPr>
+            <a:picLocks noChangeAspect="1" noChangeArrowheads="1"/>
+          </p:cNvPicPr>
+          <p:nvPr/>
+        </p:nvPicPr>
+        <p:blipFill>
+          <a:blip r:embed="rId7">
+            <a:extLst>
+              <a:ext uri="{28A0092B-C50C-407E-A947-70E740481C1C}">
+                <a14:useLocalDpi xmlns:a14="http://schemas.microsoft.com/office/drawing/2010/main" val="0"/>
+              </a:ext>
+            </a:extLst>
+          </a:blip>
+          <a:srcRect/>
+          <a:stretch>
+            <a:fillRect/>
+          </a:stretch>
+        </p:blipFill>
+        <p:spPr bwMode="auto">
+          <a:xfrm>
+            <a:off x="4142626" y="4734274"/>
+            <a:ext cx="735393" cy="735393"/>
+          </a:xfrm>
+          <a:prstGeom prst="rect">
+            <a:avLst/>
+          </a:prstGeom>
+          <a:noFill/>
+          <a:extLst>
+            <a:ext uri="{909E8E84-426E-40DD-AFC4-6F175D3DCCD1}">
+              <a14:hiddenFill xmlns:a14="http://schemas.microsoft.com/office/drawing/2010/main">
+                <a:solidFill>
+                  <a:srgbClr val="FFFFFF"/>
+                </a:solidFill>
+              </a14:hiddenFill>
+            </a:ext>
+          </a:extLst>
+        </p:spPr>
+      </p:pic>
+      <p:pic>
+        <p:nvPicPr>
+          <p:cNvPr id="3" name="Picture 4" descr="vue routerì ëí ì´ë¯¸ì§ ê²ìê²°ê³¼">
+            <a:extLst>
+              <a:ext uri="{FF2B5EF4-FFF2-40B4-BE49-F238E27FC236}">
+                <a16:creationId xmlns:a16="http://schemas.microsoft.com/office/drawing/2014/main" id="{A5B5C81A-A5B0-41C9-82C4-5FA10253A2D2}"/>
+              </a:ext>
+            </a:extLst>
+          </p:cNvPr>
+          <p:cNvPicPr>
+            <a:picLocks noChangeAspect="1" noChangeArrowheads="1"/>
+          </p:cNvPicPr>
+          <p:nvPr/>
+        </p:nvPicPr>
+        <p:blipFill>
+          <a:blip r:embed="rId8">
+            <a:extLst>
+              <a:ext uri="{28A0092B-C50C-407E-A947-70E740481C1C}">
+                <a14:useLocalDpi xmlns:a14="http://schemas.microsoft.com/office/drawing/2010/main" val="0"/>
+              </a:ext>
+            </a:extLst>
+          </a:blip>
+          <a:srcRect/>
+          <a:stretch>
+            <a:fillRect/>
+          </a:stretch>
+        </p:blipFill>
+        <p:spPr bwMode="auto">
+          <a:xfrm>
+            <a:off x="7700929" y="4803230"/>
+            <a:ext cx="1312434" cy="622552"/>
+          </a:xfrm>
+          <a:prstGeom prst="rect">
+            <a:avLst/>
+          </a:prstGeom>
+          <a:noFill/>
+          <a:extLst>
+            <a:ext uri="{909E8E84-426E-40DD-AFC4-6F175D3DCCD1}">
+              <a14:hiddenFill xmlns:a14="http://schemas.microsoft.com/office/drawing/2010/main">
+                <a:solidFill>
+                  <a:srgbClr val="FFFFFF"/>
+                </a:solidFill>
+              </a14:hiddenFill>
+            </a:ext>
+          </a:extLst>
+        </p:spPr>
+      </p:pic>
+      <p:sp>
+        <p:nvSpPr>
+          <p:cNvPr id="31" name="정육면체 30">
+            <a:extLst>
+              <a:ext uri="{FF2B5EF4-FFF2-40B4-BE49-F238E27FC236}">
+                <a16:creationId xmlns:a16="http://schemas.microsoft.com/office/drawing/2014/main" id="{B6B4DE4F-1F92-4229-A81E-2D6239229BF5}"/>
+              </a:ext>
+            </a:extLst>
+          </p:cNvPr>
+          <p:cNvSpPr/>
+          <p:nvPr/>
+        </p:nvSpPr>
+        <p:spPr>
+          <a:xfrm>
+            <a:off x="1410452" y="3424807"/>
+            <a:ext cx="7713164" cy="1216152"/>
+          </a:xfrm>
+          <a:prstGeom prst="cube">
+            <a:avLst/>
+          </a:prstGeom>
+          <a:solidFill>
+            <a:schemeClr val="bg1"/>
+          </a:solidFill>
+          <a:ln>
+            <a:solidFill>
+              <a:schemeClr val="bg1">
+                <a:lumMod val="50000"/>
+              </a:schemeClr>
+            </a:solidFill>
+          </a:ln>
+        </p:spPr>
+        <p:style>
+          <a:lnRef idx="2">
+            <a:schemeClr val="accent1">
+              <a:shade val="50000"/>
+            </a:schemeClr>
+          </a:lnRef>
+          <a:fillRef idx="1">
+            <a:schemeClr val="accent1"/>
+          </a:fillRef>
+          <a:effectRef idx="0">
+            <a:schemeClr val="accent1"/>
+          </a:effectRef>
+          <a:fontRef idx="minor">
+            <a:schemeClr val="lt1"/>
+          </a:fontRef>
+        </p:style>
+        <p:txBody>
+          <a:bodyPr rtlCol="0" anchor="ctr"/>
+          <a:lstStyle/>
+          <a:p>
+            <a:pPr algn="ctr"/>
+            <a:endParaRPr lang="ko-KR" altLang="en-US"/>
+          </a:p>
+        </p:txBody>
+      </p:sp>
+      <p:pic>
+        <p:nvPicPr>
+          <p:cNvPr id="1028" name="Picture 4" descr="vuetifyì ëí ì´ë¯¸ì§ ê²ìê²°ê³¼">
+            <a:extLst>
+              <a:ext uri="{FF2B5EF4-FFF2-40B4-BE49-F238E27FC236}">
+                <a16:creationId xmlns:a16="http://schemas.microsoft.com/office/drawing/2014/main" id="{7CCD1BEA-D13F-4C45-A23F-F8935F7B5271}"/>
+              </a:ext>
+            </a:extLst>
+          </p:cNvPr>
+          <p:cNvPicPr>
+            <a:picLocks noChangeAspect="1" noChangeArrowheads="1"/>
+          </p:cNvPicPr>
+          <p:nvPr/>
+        </p:nvPicPr>
+        <p:blipFill>
+          <a:blip r:embed="rId9">
+            <a:extLst>
+              <a:ext uri="{28A0092B-C50C-407E-A947-70E740481C1C}">
+                <a14:useLocalDpi xmlns:a14="http://schemas.microsoft.com/office/drawing/2010/main" val="0"/>
+              </a:ext>
+            </a:extLst>
+          </a:blip>
+          <a:srcRect/>
+          <a:stretch>
+            <a:fillRect/>
+          </a:stretch>
+        </p:blipFill>
+        <p:spPr bwMode="auto">
+          <a:xfrm>
+            <a:off x="4400959" y="3867614"/>
+            <a:ext cx="1757216" cy="640452"/>
+          </a:xfrm>
+          <a:prstGeom prst="rect">
+            <a:avLst/>
+          </a:prstGeom>
+          <a:noFill/>
+          <a:extLst>
+            <a:ext uri="{909E8E84-426E-40DD-AFC4-6F175D3DCCD1}">
+              <a14:hiddenFill xmlns:a14="http://schemas.microsoft.com/office/drawing/2010/main">
+                <a:solidFill>
+                  <a:srgbClr val="FFFFFF"/>
+                </a:solidFill>
+              </a14:hiddenFill>
+            </a:ext>
+          </a:extLst>
+        </p:spPr>
+      </p:pic>
+      <p:sp>
+        <p:nvSpPr>
+          <p:cNvPr id="32" name="정육면체 31">
+            <a:extLst>
+              <a:ext uri="{FF2B5EF4-FFF2-40B4-BE49-F238E27FC236}">
+                <a16:creationId xmlns:a16="http://schemas.microsoft.com/office/drawing/2014/main" id="{72EE562C-F999-40CC-A8DA-DBB8922DB79C}"/>
+              </a:ext>
+            </a:extLst>
+          </p:cNvPr>
+          <p:cNvSpPr/>
+          <p:nvPr/>
+        </p:nvSpPr>
+        <p:spPr>
+          <a:xfrm>
+            <a:off x="8832735" y="3424807"/>
+            <a:ext cx="3107625" cy="1216152"/>
+          </a:xfrm>
+          <a:prstGeom prst="cube">
+            <a:avLst/>
+          </a:prstGeom>
+          <a:solidFill>
+            <a:schemeClr val="bg1"/>
+          </a:solidFill>
+          <a:ln>
+            <a:solidFill>
+              <a:schemeClr val="bg1">
+                <a:lumMod val="50000"/>
+              </a:schemeClr>
+            </a:solidFill>
+          </a:ln>
+        </p:spPr>
+        <p:style>
+          <a:lnRef idx="2">
+            <a:schemeClr val="accent1">
+              <a:shade val="50000"/>
+            </a:schemeClr>
+          </a:lnRef>
+          <a:fillRef idx="1">
+            <a:schemeClr val="accent1"/>
+          </a:fillRef>
+          <a:effectRef idx="0">
+            <a:schemeClr val="accent1"/>
+          </a:effectRef>
+          <a:fontRef idx="minor">
+            <a:schemeClr val="lt1"/>
+          </a:fontRef>
+        </p:style>
+        <p:txBody>
+          <a:bodyPr rtlCol="0" anchor="ctr"/>
+          <a:lstStyle/>
+          <a:p>
+            <a:pPr algn="ctr"/>
+            <a:endParaRPr lang="ko-KR" altLang="en-US"/>
+          </a:p>
+        </p:txBody>
+      </p:sp>
+      <p:pic>
+        <p:nvPicPr>
+          <p:cNvPr id="1058" name="Picture 34" descr="echartì ëí ì´ë¯¸ì§ ê²ìê²°ê³¼">
+            <a:extLst>
+              <a:ext uri="{FF2B5EF4-FFF2-40B4-BE49-F238E27FC236}">
+                <a16:creationId xmlns:a16="http://schemas.microsoft.com/office/drawing/2014/main" id="{6FBC3AEF-0E18-4984-BDCD-D140F17FF3FC}"/>
+              </a:ext>
+            </a:extLst>
+          </p:cNvPr>
+          <p:cNvPicPr>
+            <a:picLocks noChangeAspect="1" noChangeArrowheads="1"/>
+          </p:cNvPicPr>
+          <p:nvPr/>
+        </p:nvPicPr>
+        <p:blipFill>
+          <a:blip r:embed="rId10">
+            <a:extLst>
+              <a:ext uri="{28A0092B-C50C-407E-A947-70E740481C1C}">
+                <a14:useLocalDpi xmlns:a14="http://schemas.microsoft.com/office/drawing/2010/main" val="0"/>
+              </a:ext>
+            </a:extLst>
+          </a:blip>
+          <a:srcRect/>
+          <a:stretch>
+            <a:fillRect/>
+          </a:stretch>
+        </p:blipFill>
+        <p:spPr bwMode="auto">
+          <a:xfrm>
+            <a:off x="9426894" y="4009900"/>
+            <a:ext cx="1524968" cy="347013"/>
+          </a:xfrm>
+          <a:prstGeom prst="rect">
+            <a:avLst/>
+          </a:prstGeom>
+          <a:noFill/>
+          <a:extLst>
+            <a:ext uri="{909E8E84-426E-40DD-AFC4-6F175D3DCCD1}">
+              <a14:hiddenFill xmlns:a14="http://schemas.microsoft.com/office/drawing/2010/main">
+                <a:solidFill>
+                  <a:srgbClr val="FFFFFF"/>
+                </a:solidFill>
+              </a14:hiddenFill>
+            </a:ext>
+          </a:extLst>
+        </p:spPr>
+      </p:pic>
+      <p:sp>
+        <p:nvSpPr>
+          <p:cNvPr id="33" name="정육면체 32">
+            <a:extLst>
+              <a:ext uri="{FF2B5EF4-FFF2-40B4-BE49-F238E27FC236}">
+                <a16:creationId xmlns:a16="http://schemas.microsoft.com/office/drawing/2014/main" id="{97C79AB0-BDDF-4223-952B-0E9207E7B90D}"/>
+              </a:ext>
+            </a:extLst>
+          </p:cNvPr>
+          <p:cNvSpPr/>
+          <p:nvPr/>
+        </p:nvSpPr>
+        <p:spPr>
+          <a:xfrm>
+            <a:off x="1410452" y="2506033"/>
+            <a:ext cx="10527947" cy="1216152"/>
+          </a:xfrm>
+          <a:prstGeom prst="cube">
+            <a:avLst/>
+          </a:prstGeom>
+          <a:solidFill>
+            <a:schemeClr val="bg1"/>
+          </a:solidFill>
+          <a:ln>
+            <a:solidFill>
+              <a:schemeClr val="bg1">
+                <a:lumMod val="50000"/>
+              </a:schemeClr>
+            </a:solidFill>
+          </a:ln>
+        </p:spPr>
+        <p:style>
+          <a:lnRef idx="2">
+            <a:schemeClr val="accent1">
+              <a:shade val="50000"/>
+            </a:schemeClr>
+          </a:lnRef>
+          <a:fillRef idx="1">
+            <a:schemeClr val="accent1"/>
+          </a:fillRef>
+          <a:effectRef idx="0">
+            <a:schemeClr val="accent1"/>
+          </a:effectRef>
+          <a:fontRef idx="minor">
+            <a:schemeClr val="lt1"/>
+          </a:fontRef>
+        </p:style>
+        <p:txBody>
+          <a:bodyPr rtlCol="0" anchor="ctr"/>
+          <a:lstStyle/>
+          <a:p>
+            <a:pPr algn="ctr"/>
+            <a:endParaRPr lang="ko-KR" altLang="en-US"/>
+          </a:p>
+        </p:txBody>
+      </p:sp>
+      <p:pic>
+        <p:nvPicPr>
+          <p:cNvPr id="1038" name="Picture 14" descr="moment.jsì ëí ì´ë¯¸ì§ ê²ìê²°ê³¼">
+            <a:extLst>
+              <a:ext uri="{FF2B5EF4-FFF2-40B4-BE49-F238E27FC236}">
+                <a16:creationId xmlns:a16="http://schemas.microsoft.com/office/drawing/2014/main" id="{B8667178-ABA8-4BEA-9C5E-F92F063774B3}"/>
+              </a:ext>
+            </a:extLst>
+          </p:cNvPr>
+          <p:cNvPicPr>
+            <a:picLocks noChangeAspect="1" noChangeArrowheads="1"/>
+          </p:cNvPicPr>
+          <p:nvPr/>
+        </p:nvPicPr>
+        <p:blipFill>
+          <a:blip r:embed="rId11">
+            <a:extLst>
+              <a:ext uri="{28A0092B-C50C-407E-A947-70E740481C1C}">
+                <a14:useLocalDpi xmlns:a14="http://schemas.microsoft.com/office/drawing/2010/main" val="0"/>
+              </a:ext>
+            </a:extLst>
+          </a:blip>
+          <a:srcRect/>
+          <a:stretch>
+            <a:fillRect/>
+          </a:stretch>
+        </p:blipFill>
+        <p:spPr bwMode="auto">
+          <a:xfrm>
+            <a:off x="3826100" y="2937590"/>
+            <a:ext cx="1201850" cy="676041"/>
+          </a:xfrm>
+          <a:prstGeom prst="rect">
+            <a:avLst/>
+          </a:prstGeom>
+          <a:noFill/>
+          <a:extLst>
+            <a:ext uri="{909E8E84-426E-40DD-AFC4-6F175D3DCCD1}">
+              <a14:hiddenFill xmlns:a14="http://schemas.microsoft.com/office/drawing/2010/main">
+                <a:solidFill>
+                  <a:srgbClr val="FFFFFF"/>
+                </a:solidFill>
+              </a14:hiddenFill>
+            </a:ext>
+          </a:extLst>
+        </p:spPr>
+      </p:pic>
+      <p:pic>
+        <p:nvPicPr>
+          <p:cNvPr id="1040" name="Picture 16" descr="lodashì ëí ì´ë¯¸ì§ ê²ìê²°ê³¼">
+            <a:extLst>
+              <a:ext uri="{FF2B5EF4-FFF2-40B4-BE49-F238E27FC236}">
+                <a16:creationId xmlns:a16="http://schemas.microsoft.com/office/drawing/2014/main" id="{354A8FF2-0F89-42C7-8DDC-CE2F2FDC2F4C}"/>
+              </a:ext>
+            </a:extLst>
+          </p:cNvPr>
+          <p:cNvPicPr>
+            <a:picLocks noChangeAspect="1" noChangeArrowheads="1"/>
+          </p:cNvPicPr>
+          <p:nvPr/>
+        </p:nvPicPr>
+        <p:blipFill rotWithShape="1">
+          <a:blip r:embed="rId12">
+            <a:extLst>
+              <a:ext uri="{28A0092B-C50C-407E-A947-70E740481C1C}">
+                <a14:useLocalDpi xmlns:a14="http://schemas.microsoft.com/office/drawing/2010/main" val="0"/>
+              </a:ext>
+            </a:extLst>
+          </a:blip>
+          <a:srcRect t="25048" b="25048"/>
+          <a:stretch/>
+        </p:blipFill>
+        <p:spPr bwMode="auto">
+          <a:xfrm>
+            <a:off x="5907554" y="3076547"/>
+            <a:ext cx="1417798" cy="398126"/>
+          </a:xfrm>
+          <a:prstGeom prst="rect">
+            <a:avLst/>
+          </a:prstGeom>
+          <a:noFill/>
+          <a:extLst>
+            <a:ext uri="{909E8E84-426E-40DD-AFC4-6F175D3DCCD1}">
+              <a14:hiddenFill xmlns:a14="http://schemas.microsoft.com/office/drawing/2010/main">
+                <a:solidFill>
+                  <a:srgbClr val="FFFFFF"/>
+                </a:solidFill>
+              </a14:hiddenFill>
+            </a:ext>
+          </a:extLst>
+        </p:spPr>
+      </p:pic>
+      <p:pic>
+        <p:nvPicPr>
+          <p:cNvPr id="1046" name="Picture 22" descr="veevalidateì ëí ì´ë¯¸ì§ ê²ìê²°ê³¼">
+            <a:extLst>
+              <a:ext uri="{FF2B5EF4-FFF2-40B4-BE49-F238E27FC236}">
+                <a16:creationId xmlns:a16="http://schemas.microsoft.com/office/drawing/2014/main" id="{A03F106A-883A-48DA-AEF1-80C50EB51B0C}"/>
+              </a:ext>
+            </a:extLst>
+          </p:cNvPr>
+          <p:cNvPicPr>
+            <a:picLocks noChangeAspect="1" noChangeArrowheads="1"/>
+          </p:cNvPicPr>
+          <p:nvPr/>
+        </p:nvPicPr>
+        <p:blipFill>
+          <a:blip r:embed="rId13">
+            <a:extLst>
+              <a:ext uri="{28A0092B-C50C-407E-A947-70E740481C1C}">
+                <a14:useLocalDpi xmlns:a14="http://schemas.microsoft.com/office/drawing/2010/main" val="0"/>
+              </a:ext>
+            </a:extLst>
+          </a:blip>
+          <a:srcRect/>
+          <a:stretch>
+            <a:fillRect/>
+          </a:stretch>
+        </p:blipFill>
+        <p:spPr bwMode="auto">
+          <a:xfrm>
+            <a:off x="2378051" y="2884891"/>
+            <a:ext cx="568445" cy="781439"/>
+          </a:xfrm>
+          <a:prstGeom prst="rect">
+            <a:avLst/>
+          </a:prstGeom>
+          <a:noFill/>
+          <a:extLst>
+            <a:ext uri="{909E8E84-426E-40DD-AFC4-6F175D3DCCD1}">
+              <a14:hiddenFill xmlns:a14="http://schemas.microsoft.com/office/drawing/2010/main">
+                <a:solidFill>
+                  <a:srgbClr val="FFFFFF"/>
+                </a:solidFill>
+              </a14:hiddenFill>
+            </a:ext>
+          </a:extLst>
+        </p:spPr>
+      </p:pic>
+      <p:pic>
+        <p:nvPicPr>
+          <p:cNvPr id="1054" name="Picture 30" descr="jqueryì ëí ì´ë¯¸ì§ ê²ìê²°ê³¼">
+            <a:extLst>
+              <a:ext uri="{FF2B5EF4-FFF2-40B4-BE49-F238E27FC236}">
+                <a16:creationId xmlns:a16="http://schemas.microsoft.com/office/drawing/2014/main" id="{8AADD2DA-0CF6-4320-8262-B302CA716376}"/>
+              </a:ext>
+            </a:extLst>
+          </p:cNvPr>
+          <p:cNvPicPr>
+            <a:picLocks noChangeAspect="1" noChangeArrowheads="1"/>
+          </p:cNvPicPr>
+          <p:nvPr/>
+        </p:nvPicPr>
+        <p:blipFill>
+          <a:blip r:embed="rId14">
+            <a:extLst>
+              <a:ext uri="{28A0092B-C50C-407E-A947-70E740481C1C}">
+                <a14:useLocalDpi xmlns:a14="http://schemas.microsoft.com/office/drawing/2010/main" val="0"/>
+              </a:ext>
+            </a:extLst>
+          </a:blip>
+          <a:srcRect/>
+          <a:stretch>
+            <a:fillRect/>
+          </a:stretch>
+        </p:blipFill>
+        <p:spPr bwMode="auto">
+          <a:xfrm>
+            <a:off x="9863685" y="2886047"/>
+            <a:ext cx="779126" cy="779126"/>
+          </a:xfrm>
+          <a:prstGeom prst="rect">
+            <a:avLst/>
+          </a:prstGeom>
+          <a:noFill/>
+          <a:extLst>
+            <a:ext uri="{909E8E84-426E-40DD-AFC4-6F175D3DCCD1}">
+              <a14:hiddenFill xmlns:a14="http://schemas.microsoft.com/office/drawing/2010/main">
+                <a:solidFill>
+                  <a:srgbClr val="FFFFFF"/>
+                </a:solidFill>
+              </a14:hiddenFill>
+            </a:ext>
+          </a:extLst>
+        </p:spPr>
+      </p:pic>
+      <p:pic>
+        <p:nvPicPr>
+          <p:cNvPr id="1056" name="Picture 32" descr="vue i18nì ëí ì´ë¯¸ì§ ê²ìê²°ê³¼">
+            <a:extLst>
+              <a:ext uri="{FF2B5EF4-FFF2-40B4-BE49-F238E27FC236}">
+                <a16:creationId xmlns:a16="http://schemas.microsoft.com/office/drawing/2014/main" id="{3035E1F1-1B1D-4F2A-AAA0-D0DD78C342E1}"/>
+              </a:ext>
+            </a:extLst>
+          </p:cNvPr>
+          <p:cNvPicPr>
+            <a:picLocks noChangeAspect="1" noChangeArrowheads="1"/>
+          </p:cNvPicPr>
+          <p:nvPr/>
+        </p:nvPicPr>
+        <p:blipFill>
+          <a:blip r:embed="rId15">
+            <a:extLst>
+              <a:ext uri="{28A0092B-C50C-407E-A947-70E740481C1C}">
+                <a14:useLocalDpi xmlns:a14="http://schemas.microsoft.com/office/drawing/2010/main" val="0"/>
+              </a:ext>
+            </a:extLst>
+          </a:blip>
+          <a:srcRect/>
+          <a:stretch>
+            <a:fillRect/>
+          </a:stretch>
+        </p:blipFill>
+        <p:spPr bwMode="auto">
+          <a:xfrm>
+            <a:off x="8204956" y="2934743"/>
+            <a:ext cx="779126" cy="681735"/>
+          </a:xfrm>
+          <a:prstGeom prst="rect">
+            <a:avLst/>
+          </a:prstGeom>
+          <a:noFill/>
+          <a:extLst>
+            <a:ext uri="{909E8E84-426E-40DD-AFC4-6F175D3DCCD1}">
+              <a14:hiddenFill xmlns:a14="http://schemas.microsoft.com/office/drawing/2010/main">
+                <a:solidFill>
+                  <a:srgbClr val="FFFFFF"/>
+                </a:solidFill>
+              </a14:hiddenFill>
+            </a:ext>
+          </a:extLst>
+        </p:spPr>
+      </p:pic>
+      <p:pic>
+        <p:nvPicPr>
+          <p:cNvPr id="1050" name="Picture 26" descr="git hubì ëí ì´ë¯¸ì§ ê²ìê²°ê³¼">
+            <a:extLst>
+              <a:ext uri="{FF2B5EF4-FFF2-40B4-BE49-F238E27FC236}">
+                <a16:creationId xmlns:a16="http://schemas.microsoft.com/office/drawing/2014/main" id="{0C2B54ED-6236-4001-B73F-F9154FE1F721}"/>
+              </a:ext>
+            </a:extLst>
+          </p:cNvPr>
+          <p:cNvPicPr>
+            <a:picLocks noChangeAspect="1" noChangeArrowheads="1"/>
+          </p:cNvPicPr>
+          <p:nvPr/>
+        </p:nvPicPr>
+        <p:blipFill rotWithShape="1">
+          <a:blip r:embed="rId16">
+            <a:extLst>
+              <a:ext uri="{28A0092B-C50C-407E-A947-70E740481C1C}">
+                <a14:useLocalDpi xmlns:a14="http://schemas.microsoft.com/office/drawing/2010/main" val="0"/>
+              </a:ext>
+            </a:extLst>
+          </a:blip>
+          <a:srcRect t="21385" b="21385"/>
+          <a:stretch/>
+        </p:blipFill>
+        <p:spPr bwMode="auto">
+          <a:xfrm>
+            <a:off x="5279567" y="1975751"/>
+            <a:ext cx="2215812" cy="741838"/>
+          </a:xfrm>
+          <a:prstGeom prst="rect">
+            <a:avLst/>
+          </a:prstGeom>
+          <a:noFill/>
+          <a:extLst>
+            <a:ext uri="{909E8E84-426E-40DD-AFC4-6F175D3DCCD1}">
+              <a14:hiddenFill xmlns:a14="http://schemas.microsoft.com/office/drawing/2010/main">
+                <a:solidFill>
+                  <a:srgbClr val="FFFFFF"/>
+                </a:solidFill>
+              </a14:hiddenFill>
+            </a:ext>
+          </a:extLst>
+        </p:spPr>
+      </p:pic>
+      <p:sp>
+        <p:nvSpPr>
+          <p:cNvPr id="13" name="TextBox 12">
+            <a:extLst>
+              <a:ext uri="{FF2B5EF4-FFF2-40B4-BE49-F238E27FC236}">
+                <a16:creationId xmlns:a16="http://schemas.microsoft.com/office/drawing/2014/main" id="{7706E378-4CE9-44B3-9D58-D9DFAAEB843D}"/>
+              </a:ext>
+            </a:extLst>
+          </p:cNvPr>
+          <p:cNvSpPr txBox="1"/>
+          <p:nvPr/>
+        </p:nvSpPr>
+        <p:spPr>
+          <a:xfrm>
+            <a:off x="-360481" y="5595529"/>
+            <a:ext cx="1752403" cy="830997"/>
+          </a:xfrm>
+          <a:prstGeom prst="rect">
+            <a:avLst/>
+          </a:prstGeom>
+          <a:noFill/>
+        </p:spPr>
+        <p:txBody>
+          <a:bodyPr wrap="none" rtlCol="0">
+            <a:spAutoFit/>
+          </a:bodyPr>
+          <a:lstStyle/>
+          <a:p>
+            <a:pPr algn="ctr"/>
+            <a:r>
+              <a:rPr lang="en-US" altLang="ko-KR" sz="1600" dirty="0">
+                <a:latin typeface="Aharoni" panose="02010803020104030203" pitchFamily="2" charset="-79"/>
+                <a:cs typeface="Aharoni" panose="02010803020104030203" pitchFamily="2" charset="-79"/>
+              </a:rPr>
+              <a:t>run time</a:t>
+            </a:r>
+          </a:p>
+          <a:p>
+            <a:pPr algn="ctr"/>
+            <a:r>
+              <a:rPr lang="en-US" altLang="ko-KR" sz="1600" dirty="0">
+                <a:latin typeface="Aharoni" panose="02010803020104030203" pitchFamily="2" charset="-79"/>
+                <a:cs typeface="Aharoni" panose="02010803020104030203" pitchFamily="2" charset="-79"/>
+              </a:rPr>
+              <a:t>as </a:t>
+            </a:r>
+          </a:p>
+          <a:p>
+            <a:pPr algn="ctr"/>
+            <a:r>
+              <a:rPr lang="en-US" altLang="ko-KR" sz="1600" dirty="0">
+                <a:latin typeface="Aharoni" panose="02010803020104030203" pitchFamily="2" charset="-79"/>
+                <a:cs typeface="Aharoni" panose="02010803020104030203" pitchFamily="2" charset="-79"/>
+              </a:rPr>
+              <a:t>front-end server</a:t>
+            </a:r>
+            <a:endParaRPr lang="ko-KR" altLang="en-US" sz="1600" dirty="0">
+              <a:latin typeface="Aharoni" panose="02010803020104030203" pitchFamily="2" charset="-79"/>
+              <a:cs typeface="Aharoni" panose="02010803020104030203" pitchFamily="2" charset="-79"/>
+            </a:endParaRPr>
+          </a:p>
+        </p:txBody>
+      </p:sp>
+      <p:cxnSp>
+        <p:nvCxnSpPr>
+          <p:cNvPr id="19" name="연결선: 꺾임 18">
+            <a:extLst>
+              <a:ext uri="{FF2B5EF4-FFF2-40B4-BE49-F238E27FC236}">
+                <a16:creationId xmlns:a16="http://schemas.microsoft.com/office/drawing/2014/main" id="{9AE8DCF8-67FE-40F8-BC3A-119B8A9BB4C9}"/>
+              </a:ext>
+            </a:extLst>
+          </p:cNvPr>
+          <p:cNvCxnSpPr>
+            <a:cxnSpLocks/>
+            <a:stCxn id="33" idx="2"/>
+            <a:endCxn id="28" idx="2"/>
+          </p:cNvCxnSpPr>
+          <p:nvPr/>
+        </p:nvCxnSpPr>
+        <p:spPr>
+          <a:xfrm rot="10800000" flipH="1" flipV="1">
+            <a:off x="1410451" y="3266127"/>
+            <a:ext cx="1961" cy="1822593"/>
+          </a:xfrm>
+          <a:prstGeom prst="bentConnector3">
+            <a:avLst>
+              <a:gd name="adj1" fmla="val -39436461"/>
+            </a:avLst>
+          </a:prstGeom>
+          <a:ln w="12700">
+            <a:solidFill>
+              <a:schemeClr val="tx1"/>
+            </a:solidFill>
+            <a:headEnd type="oval"/>
+            <a:tailEnd type="oval"/>
+          </a:ln>
+        </p:spPr>
+        <p:style>
+          <a:lnRef idx="1">
+            <a:schemeClr val="accent1"/>
+          </a:lnRef>
+          <a:fillRef idx="0">
+            <a:schemeClr val="accent1"/>
+          </a:fillRef>
+          <a:effectRef idx="0">
+            <a:schemeClr val="accent1"/>
+          </a:effectRef>
+          <a:fontRef idx="minor">
+            <a:schemeClr val="tx1"/>
+          </a:fontRef>
+        </p:style>
+      </p:cxnSp>
+      <p:sp>
+        <p:nvSpPr>
+          <p:cNvPr id="36" name="TextBox 35">
+            <a:extLst>
+              <a:ext uri="{FF2B5EF4-FFF2-40B4-BE49-F238E27FC236}">
+                <a16:creationId xmlns:a16="http://schemas.microsoft.com/office/drawing/2014/main" id="{189037D3-7B59-4388-A3B1-AD6ED6757F2B}"/>
+              </a:ext>
+            </a:extLst>
+          </p:cNvPr>
+          <p:cNvSpPr txBox="1"/>
+          <p:nvPr/>
+        </p:nvSpPr>
+        <p:spPr>
+          <a:xfrm>
+            <a:off x="28597" y="3722185"/>
+            <a:ext cx="1324402" cy="830997"/>
+          </a:xfrm>
+          <a:prstGeom prst="rect">
+            <a:avLst/>
+          </a:prstGeom>
+          <a:solidFill>
+            <a:schemeClr val="bg1"/>
+          </a:solidFill>
+        </p:spPr>
+        <p:txBody>
+          <a:bodyPr wrap="none" rtlCol="0">
+            <a:spAutoFit/>
+          </a:bodyPr>
+          <a:lstStyle/>
+          <a:p>
+            <a:pPr algn="ctr"/>
+            <a:r>
+              <a:rPr lang="en-US" altLang="ko-KR" sz="1600" dirty="0">
+                <a:latin typeface="Aharoni" panose="02010803020104030203" pitchFamily="2" charset="-79"/>
+                <a:cs typeface="Aharoni" panose="02010803020104030203" pitchFamily="2" charset="-79"/>
+              </a:rPr>
+              <a:t>view </a:t>
+            </a:r>
+          </a:p>
+          <a:p>
+            <a:pPr algn="ctr"/>
+            <a:r>
+              <a:rPr lang="en-US" altLang="ko-KR" sz="1600" dirty="0">
+                <a:latin typeface="Aharoni" panose="02010803020104030203" pitchFamily="2" charset="-79"/>
+                <a:cs typeface="Aharoni" panose="02010803020104030203" pitchFamily="2" charset="-79"/>
+              </a:rPr>
+              <a:t>+ </a:t>
+            </a:r>
+          </a:p>
+          <a:p>
+            <a:pPr algn="ctr"/>
+            <a:r>
+              <a:rPr lang="en-US" altLang="ko-KR" sz="1600" dirty="0">
+                <a:latin typeface="Aharoni" panose="02010803020104030203" pitchFamily="2" charset="-79"/>
+                <a:cs typeface="Aharoni" panose="02010803020104030203" pitchFamily="2" charset="-79"/>
+              </a:rPr>
+              <a:t>view model</a:t>
+            </a:r>
+            <a:endParaRPr lang="ko-KR" altLang="en-US" sz="1600" dirty="0">
+              <a:latin typeface="Aharoni" panose="02010803020104030203" pitchFamily="2" charset="-79"/>
+              <a:cs typeface="Aharoni" panose="02010803020104030203" pitchFamily="2" charset="-79"/>
+            </a:endParaRPr>
           </a:p>
         </p:txBody>
       </p:sp>
     </p:spTree>
     <p:extLst>
       <p:ext uri="{BB962C8B-B14F-4D97-AF65-F5344CB8AC3E}">
-        <p14:creationId xmlns:p14="http://schemas.microsoft.com/office/powerpoint/2010/main" val="1134330621"/>
+        <p14:creationId xmlns:p14="http://schemas.microsoft.com/office/powerpoint/2010/main" val="3867432185"/>
+      </p:ext>
+    </p:extLst>
+  </p:cSld>
+  <p:clrMapOvr>
+    <a:masterClrMapping/>
+  </p:clrMapOvr>
+</p:sld>
+</file>
+
+<file path=ppt/slides/slide3.xml><?xml version="1.0" encoding="utf-8"?>
+<p:sld xmlns:a="http://schemas.openxmlformats.org/drawingml/2006/main" xmlns:r="http://schemas.openxmlformats.org/officeDocument/2006/relationships" xmlns:p="http://schemas.openxmlformats.org/presentationml/2006/main">
+  <p:cSld>
+    <p:spTree>
+      <p:nvGrpSpPr>
+        <p:cNvPr id="1" name=""/>
+        <p:cNvGrpSpPr/>
+        <p:nvPr/>
+      </p:nvGrpSpPr>
+      <p:grpSpPr>
+        <a:xfrm>
+          <a:off x="0" y="0"/>
+          <a:ext cx="0" cy="0"/>
+          <a:chOff x="0" y="0"/>
+          <a:chExt cx="0" cy="0"/>
+        </a:xfrm>
+      </p:grpSpPr>
+      <p:pic>
+        <p:nvPicPr>
+          <p:cNvPr id="1028" name="Picture 4" descr="vuetifyì ëí ì´ë¯¸ì§ ê²ìê²°ê³¼">
+            <a:extLst>
+              <a:ext uri="{FF2B5EF4-FFF2-40B4-BE49-F238E27FC236}">
+                <a16:creationId xmlns:a16="http://schemas.microsoft.com/office/drawing/2014/main" id="{7CCD1BEA-D13F-4C45-A23F-F8935F7B5271}"/>
+              </a:ext>
+            </a:extLst>
+          </p:cNvPr>
+          <p:cNvPicPr>
+            <a:picLocks noChangeAspect="1" noChangeArrowheads="1"/>
+          </p:cNvPicPr>
+          <p:nvPr/>
+        </p:nvPicPr>
+        <p:blipFill>
+          <a:blip r:embed="rId2">
+            <a:extLst>
+              <a:ext uri="{28A0092B-C50C-407E-A947-70E740481C1C}">
+                <a14:useLocalDpi xmlns:a14="http://schemas.microsoft.com/office/drawing/2010/main" val="0"/>
+              </a:ext>
+            </a:extLst>
+          </a:blip>
+          <a:srcRect/>
+          <a:stretch>
+            <a:fillRect/>
+          </a:stretch>
+        </p:blipFill>
+        <p:spPr bwMode="auto">
+          <a:xfrm>
+            <a:off x="3598576" y="2163297"/>
+            <a:ext cx="2531364" cy="922607"/>
+          </a:xfrm>
+          <a:prstGeom prst="rect">
+            <a:avLst/>
+          </a:prstGeom>
+          <a:noFill/>
+          <a:extLst>
+            <a:ext uri="{909E8E84-426E-40DD-AFC4-6F175D3DCCD1}">
+              <a14:hiddenFill xmlns:a14="http://schemas.microsoft.com/office/drawing/2010/main">
+                <a:solidFill>
+                  <a:srgbClr val="FFFFFF"/>
+                </a:solidFill>
+              </a14:hiddenFill>
+            </a:ext>
+          </a:extLst>
+        </p:spPr>
+      </p:pic>
+      <p:pic>
+        <p:nvPicPr>
+          <p:cNvPr id="1050" name="Picture 26" descr="git hubì ëí ì´ë¯¸ì§ ê²ìê²°ê³¼">
+            <a:extLst>
+              <a:ext uri="{FF2B5EF4-FFF2-40B4-BE49-F238E27FC236}">
+                <a16:creationId xmlns:a16="http://schemas.microsoft.com/office/drawing/2014/main" id="{0C2B54ED-6236-4001-B73F-F9154FE1F721}"/>
+              </a:ext>
+            </a:extLst>
+          </p:cNvPr>
+          <p:cNvPicPr>
+            <a:picLocks noChangeAspect="1" noChangeArrowheads="1"/>
+          </p:cNvPicPr>
+          <p:nvPr/>
+        </p:nvPicPr>
+        <p:blipFill>
+          <a:blip r:embed="rId3">
+            <a:extLst>
+              <a:ext uri="{28A0092B-C50C-407E-A947-70E740481C1C}">
+                <a14:useLocalDpi xmlns:a14="http://schemas.microsoft.com/office/drawing/2010/main" val="0"/>
+              </a:ext>
+            </a:extLst>
+          </a:blip>
+          <a:srcRect/>
+          <a:stretch>
+            <a:fillRect/>
+          </a:stretch>
+        </p:blipFill>
+        <p:spPr bwMode="auto">
+          <a:xfrm>
+            <a:off x="8762411" y="0"/>
+            <a:ext cx="2215812" cy="1296250"/>
+          </a:xfrm>
+          <a:prstGeom prst="rect">
+            <a:avLst/>
+          </a:prstGeom>
+          <a:noFill/>
+          <a:extLst>
+            <a:ext uri="{909E8E84-426E-40DD-AFC4-6F175D3DCCD1}">
+              <a14:hiddenFill xmlns:a14="http://schemas.microsoft.com/office/drawing/2010/main">
+                <a:solidFill>
+                  <a:srgbClr val="FFFFFF"/>
+                </a:solidFill>
+              </a14:hiddenFill>
+            </a:ext>
+          </a:extLst>
+        </p:spPr>
+      </p:pic>
+      <p:sp>
+        <p:nvSpPr>
+          <p:cNvPr id="7" name="TextBox 6">
+            <a:extLst>
+              <a:ext uri="{FF2B5EF4-FFF2-40B4-BE49-F238E27FC236}">
+                <a16:creationId xmlns:a16="http://schemas.microsoft.com/office/drawing/2014/main" id="{526263D9-C8A8-4172-A05A-D8586718FFE0}"/>
+              </a:ext>
+            </a:extLst>
+          </p:cNvPr>
+          <p:cNvSpPr txBox="1"/>
+          <p:nvPr/>
+        </p:nvSpPr>
+        <p:spPr>
+          <a:xfrm>
+            <a:off x="4638132" y="391676"/>
+            <a:ext cx="3012363" cy="369332"/>
+          </a:xfrm>
+          <a:prstGeom prst="rect">
+            <a:avLst/>
+          </a:prstGeom>
+          <a:noFill/>
+        </p:spPr>
+        <p:txBody>
+          <a:bodyPr wrap="none" rtlCol="0">
+            <a:spAutoFit/>
+          </a:bodyPr>
+          <a:lstStyle/>
+          <a:p>
+            <a:r>
+              <a:rPr lang="en-US" altLang="ko-KR" dirty="0">
+                <a:latin typeface="Aharoni" panose="02010803020104030203" pitchFamily="2" charset="-79"/>
+                <a:cs typeface="Aharoni" panose="02010803020104030203" pitchFamily="2" charset="-79"/>
+              </a:rPr>
+              <a:t>swing mobile Architecture</a:t>
+            </a:r>
+            <a:endParaRPr lang="ko-KR" altLang="en-US" dirty="0">
+              <a:latin typeface="Aharoni" panose="02010803020104030203" pitchFamily="2" charset="-79"/>
+              <a:cs typeface="Aharoni" panose="02010803020104030203" pitchFamily="2" charset="-79"/>
+            </a:endParaRPr>
+          </a:p>
+        </p:txBody>
+      </p:sp>
+      <p:grpSp>
+        <p:nvGrpSpPr>
+          <p:cNvPr id="12" name="그룹 11">
+            <a:extLst>
+              <a:ext uri="{FF2B5EF4-FFF2-40B4-BE49-F238E27FC236}">
+                <a16:creationId xmlns:a16="http://schemas.microsoft.com/office/drawing/2014/main" id="{D9A1509C-CC42-4D43-9055-B0F197D1E4F3}"/>
+              </a:ext>
+            </a:extLst>
+          </p:cNvPr>
+          <p:cNvGrpSpPr/>
+          <p:nvPr/>
+        </p:nvGrpSpPr>
+        <p:grpSpPr>
+          <a:xfrm>
+            <a:off x="9058898" y="1306660"/>
+            <a:ext cx="2462534" cy="1358419"/>
+            <a:chOff x="8750344" y="1352795"/>
+            <a:chExt cx="2462534" cy="1358419"/>
+          </a:xfrm>
+        </p:grpSpPr>
+        <p:pic>
+          <p:nvPicPr>
+            <p:cNvPr id="1056" name="Picture 32" descr="vue i18nì ëí ì´ë¯¸ì§ ê²ìê²°ê³¼">
+              <a:extLst>
+                <a:ext uri="{FF2B5EF4-FFF2-40B4-BE49-F238E27FC236}">
+                  <a16:creationId xmlns:a16="http://schemas.microsoft.com/office/drawing/2014/main" id="{3035E1F1-1B1D-4F2A-AAA0-D0DD78C342E1}"/>
+                </a:ext>
+              </a:extLst>
+            </p:cNvPr>
+            <p:cNvPicPr>
+              <a:picLocks noChangeAspect="1" noChangeArrowheads="1"/>
+            </p:cNvPicPr>
+            <p:nvPr/>
+          </p:nvPicPr>
+          <p:blipFill>
+            <a:blip r:embed="rId4">
+              <a:extLst>
+                <a:ext uri="{28A0092B-C50C-407E-A947-70E740481C1C}">
+                  <a14:useLocalDpi xmlns:a14="http://schemas.microsoft.com/office/drawing/2010/main" val="0"/>
+                </a:ext>
+              </a:extLst>
+            </a:blip>
+            <a:srcRect/>
+            <a:stretch>
+              <a:fillRect/>
+            </a:stretch>
+          </p:blipFill>
+          <p:spPr bwMode="auto">
+            <a:xfrm>
+              <a:off x="9372011" y="1352795"/>
+              <a:ext cx="1219200" cy="1066800"/>
+            </a:xfrm>
+            <a:prstGeom prst="rect">
+              <a:avLst/>
+            </a:prstGeom>
+            <a:noFill/>
+            <a:extLst>
+              <a:ext uri="{909E8E84-426E-40DD-AFC4-6F175D3DCCD1}">
+                <a14:hiddenFill xmlns:a14="http://schemas.microsoft.com/office/drawing/2010/main">
+                  <a:solidFill>
+                    <a:srgbClr val="FFFFFF"/>
+                  </a:solidFill>
+                </a14:hiddenFill>
+              </a:ext>
+            </a:extLst>
+          </p:spPr>
+        </p:pic>
+        <p:sp>
+          <p:nvSpPr>
+            <p:cNvPr id="8" name="TextBox 7">
+              <a:extLst>
+                <a:ext uri="{FF2B5EF4-FFF2-40B4-BE49-F238E27FC236}">
+                  <a16:creationId xmlns:a16="http://schemas.microsoft.com/office/drawing/2014/main" id="{5027A21F-68F1-4DA5-B0B5-5C75DE62132E}"/>
+                </a:ext>
+              </a:extLst>
+            </p:cNvPr>
+            <p:cNvSpPr txBox="1"/>
+            <p:nvPr/>
+          </p:nvSpPr>
+          <p:spPr>
+            <a:xfrm>
+              <a:off x="8750344" y="2449604"/>
+              <a:ext cx="2462534" cy="261610"/>
+            </a:xfrm>
+            <a:prstGeom prst="rect">
+              <a:avLst/>
+            </a:prstGeom>
+            <a:noFill/>
+          </p:spPr>
+          <p:txBody>
+            <a:bodyPr wrap="none" rtlCol="0">
+              <a:spAutoFit/>
+            </a:bodyPr>
+            <a:lstStyle>
+              <a:defPPr>
+                <a:defRPr lang="ko-KR"/>
+              </a:defPPr>
+              <a:lvl1pPr>
+                <a:defRPr sz="1100">
+                  <a:solidFill>
+                    <a:schemeClr val="bg1">
+                      <a:lumMod val="65000"/>
+                    </a:schemeClr>
+                  </a:solidFill>
+                  <a:latin typeface="Aharoni" panose="02010803020104030203" pitchFamily="2" charset="-79"/>
+                  <a:cs typeface="Aharoni" panose="02010803020104030203" pitchFamily="2" charset="-79"/>
+                </a:defRPr>
+              </a:lvl1pPr>
+            </a:lstStyle>
+            <a:p>
+              <a:r>
+                <a:rPr lang="en-US" altLang="ko-KR" dirty="0"/>
+                <a:t>multiple language support for </a:t>
+              </a:r>
+              <a:r>
+                <a:rPr lang="en-US" altLang="ko-KR" dirty="0" err="1"/>
+                <a:t>vue</a:t>
+              </a:r>
+              <a:endParaRPr lang="ko-KR" altLang="en-US" dirty="0"/>
+            </a:p>
+          </p:txBody>
+        </p:sp>
+      </p:grpSp>
+      <p:pic>
+        <p:nvPicPr>
+          <p:cNvPr id="1058" name="Picture 34" descr="echartì ëí ì´ë¯¸ì§ ê²ìê²°ê³¼">
+            <a:extLst>
+              <a:ext uri="{FF2B5EF4-FFF2-40B4-BE49-F238E27FC236}">
+                <a16:creationId xmlns:a16="http://schemas.microsoft.com/office/drawing/2014/main" id="{6FBC3AEF-0E18-4984-BDCD-D140F17FF3FC}"/>
+              </a:ext>
+            </a:extLst>
+          </p:cNvPr>
+          <p:cNvPicPr>
+            <a:picLocks noChangeAspect="1" noChangeArrowheads="1"/>
+          </p:cNvPicPr>
+          <p:nvPr/>
+        </p:nvPicPr>
+        <p:blipFill>
+          <a:blip r:embed="rId5">
+            <a:extLst>
+              <a:ext uri="{28A0092B-C50C-407E-A947-70E740481C1C}">
+                <a14:useLocalDpi xmlns:a14="http://schemas.microsoft.com/office/drawing/2010/main" val="0"/>
+              </a:ext>
+            </a:extLst>
+          </a:blip>
+          <a:srcRect/>
+          <a:stretch>
+            <a:fillRect/>
+          </a:stretch>
+        </p:blipFill>
+        <p:spPr bwMode="auto">
+          <a:xfrm>
+            <a:off x="8786010" y="3259772"/>
+            <a:ext cx="2038530" cy="463876"/>
+          </a:xfrm>
+          <a:prstGeom prst="rect">
+            <a:avLst/>
+          </a:prstGeom>
+          <a:noFill/>
+          <a:extLst>
+            <a:ext uri="{909E8E84-426E-40DD-AFC4-6F175D3DCCD1}">
+              <a14:hiddenFill xmlns:a14="http://schemas.microsoft.com/office/drawing/2010/main">
+                <a:solidFill>
+                  <a:srgbClr val="FFFFFF"/>
+                </a:solidFill>
+              </a14:hiddenFill>
+            </a:ext>
+          </a:extLst>
+        </p:spPr>
+      </p:pic>
+      <p:pic>
+        <p:nvPicPr>
+          <p:cNvPr id="1026" name="Picture 2" descr="eslintì ëí ì´ë¯¸ì§ ê²ìê²°ê³¼">
+            <a:extLst>
+              <a:ext uri="{FF2B5EF4-FFF2-40B4-BE49-F238E27FC236}">
+                <a16:creationId xmlns:a16="http://schemas.microsoft.com/office/drawing/2014/main" id="{C5D6F17F-9014-4A3A-B9B5-840127605D06}"/>
+              </a:ext>
+            </a:extLst>
+          </p:cNvPr>
+          <p:cNvPicPr>
+            <a:picLocks noChangeAspect="1" noChangeArrowheads="1"/>
+          </p:cNvPicPr>
+          <p:nvPr/>
+        </p:nvPicPr>
+        <p:blipFill>
+          <a:blip r:embed="rId6">
+            <a:extLst>
+              <a:ext uri="{28A0092B-C50C-407E-A947-70E740481C1C}">
+                <a14:useLocalDpi xmlns:a14="http://schemas.microsoft.com/office/drawing/2010/main" val="0"/>
+              </a:ext>
+            </a:extLst>
+          </a:blip>
+          <a:srcRect/>
+          <a:stretch>
+            <a:fillRect/>
+          </a:stretch>
+        </p:blipFill>
+        <p:spPr bwMode="auto">
+          <a:xfrm>
+            <a:off x="8736839" y="3872957"/>
+            <a:ext cx="1745870" cy="863105"/>
+          </a:xfrm>
+          <a:prstGeom prst="rect">
+            <a:avLst/>
+          </a:prstGeom>
+          <a:noFill/>
+          <a:extLst>
+            <a:ext uri="{909E8E84-426E-40DD-AFC4-6F175D3DCCD1}">
+              <a14:hiddenFill xmlns:a14="http://schemas.microsoft.com/office/drawing/2010/main">
+                <a:solidFill>
+                  <a:srgbClr val="FFFFFF"/>
+                </a:solidFill>
+              </a14:hiddenFill>
+            </a:ext>
+          </a:extLst>
+        </p:spPr>
+      </p:pic>
+      <p:grpSp>
+        <p:nvGrpSpPr>
+          <p:cNvPr id="5" name="그룹 4">
+            <a:extLst>
+              <a:ext uri="{FF2B5EF4-FFF2-40B4-BE49-F238E27FC236}">
+                <a16:creationId xmlns:a16="http://schemas.microsoft.com/office/drawing/2014/main" id="{3AF7D653-E5C5-4001-80B4-D9C407AA0B80}"/>
+              </a:ext>
+            </a:extLst>
+          </p:cNvPr>
+          <p:cNvGrpSpPr/>
+          <p:nvPr/>
+        </p:nvGrpSpPr>
+        <p:grpSpPr>
+          <a:xfrm>
+            <a:off x="5123509" y="5681657"/>
+            <a:ext cx="1708660" cy="915472"/>
+            <a:chOff x="5123509" y="5681657"/>
+            <a:chExt cx="1708660" cy="915472"/>
+          </a:xfrm>
+        </p:grpSpPr>
+        <p:pic>
+          <p:nvPicPr>
+            <p:cNvPr id="1032" name="Picture 8" descr="node.jsì ëí ì´ë¯¸ì§ ê²ìê²°ê³¼">
+              <a:extLst>
+                <a:ext uri="{FF2B5EF4-FFF2-40B4-BE49-F238E27FC236}">
+                  <a16:creationId xmlns:a16="http://schemas.microsoft.com/office/drawing/2014/main" id="{155F7D31-84B4-4A96-8DF2-88A34BDCFD8B}"/>
+                </a:ext>
+              </a:extLst>
+            </p:cNvPr>
+            <p:cNvPicPr>
+              <a:picLocks noChangeAspect="1" noChangeArrowheads="1"/>
+            </p:cNvPicPr>
+            <p:nvPr/>
+          </p:nvPicPr>
+          <p:blipFill>
+            <a:blip r:embed="rId7">
+              <a:extLst>
+                <a:ext uri="{28A0092B-C50C-407E-A947-70E740481C1C}">
+                  <a14:useLocalDpi xmlns:a14="http://schemas.microsoft.com/office/drawing/2010/main" val="0"/>
+                </a:ext>
+              </a:extLst>
+            </a:blip>
+            <a:srcRect/>
+            <a:stretch>
+              <a:fillRect/>
+            </a:stretch>
+          </p:blipFill>
+          <p:spPr bwMode="auto">
+            <a:xfrm>
+              <a:off x="5123509" y="5681657"/>
+              <a:ext cx="1708660" cy="853186"/>
+            </a:xfrm>
+            <a:prstGeom prst="rect">
+              <a:avLst/>
+            </a:prstGeom>
+            <a:noFill/>
+            <a:extLst>
+              <a:ext uri="{909E8E84-426E-40DD-AFC4-6F175D3DCCD1}">
+                <a14:hiddenFill xmlns:a14="http://schemas.microsoft.com/office/drawing/2010/main">
+                  <a:solidFill>
+                    <a:srgbClr val="FFFFFF"/>
+                  </a:solidFill>
+                </a14:hiddenFill>
+              </a:ext>
+            </a:extLst>
+          </p:spPr>
+        </p:pic>
+        <p:sp>
+          <p:nvSpPr>
+            <p:cNvPr id="4" name="TextBox 3">
+              <a:extLst>
+                <a:ext uri="{FF2B5EF4-FFF2-40B4-BE49-F238E27FC236}">
+                  <a16:creationId xmlns:a16="http://schemas.microsoft.com/office/drawing/2014/main" id="{49E37D7C-3860-4CD6-B250-AAF469350F34}"/>
+                </a:ext>
+              </a:extLst>
+            </p:cNvPr>
+            <p:cNvSpPr txBox="1"/>
+            <p:nvPr/>
+          </p:nvSpPr>
+          <p:spPr>
+            <a:xfrm>
+              <a:off x="5283578" y="6335519"/>
+              <a:ext cx="1388522" cy="261610"/>
+            </a:xfrm>
+            <a:prstGeom prst="rect">
+              <a:avLst/>
+            </a:prstGeom>
+            <a:noFill/>
+          </p:spPr>
+          <p:txBody>
+            <a:bodyPr wrap="none" rtlCol="0">
+              <a:spAutoFit/>
+            </a:bodyPr>
+            <a:lstStyle/>
+            <a:p>
+              <a:r>
+                <a:rPr lang="en-US" altLang="ko-KR" sz="1100" dirty="0" err="1">
+                  <a:solidFill>
+                    <a:schemeClr val="bg1">
+                      <a:lumMod val="65000"/>
+                    </a:schemeClr>
+                  </a:solidFill>
+                  <a:latin typeface="Aharoni" panose="02010803020104030203" pitchFamily="2" charset="-79"/>
+                  <a:cs typeface="Aharoni" panose="02010803020104030203" pitchFamily="2" charset="-79"/>
+                </a:rPr>
+                <a:t>javascript</a:t>
+              </a:r>
+              <a:r>
+                <a:rPr lang="ko-KR" altLang="en-US" sz="1100" dirty="0">
+                  <a:solidFill>
+                    <a:schemeClr val="bg1">
+                      <a:lumMod val="65000"/>
+                    </a:schemeClr>
+                  </a:solidFill>
+                  <a:latin typeface="Aharoni" panose="02010803020104030203" pitchFamily="2" charset="-79"/>
+                  <a:cs typeface="Aharoni" panose="02010803020104030203" pitchFamily="2" charset="-79"/>
+                </a:rPr>
+                <a:t> </a:t>
+              </a:r>
+              <a:r>
+                <a:rPr lang="en-US" altLang="ko-KR" sz="1100" dirty="0">
+                  <a:solidFill>
+                    <a:schemeClr val="bg1">
+                      <a:lumMod val="65000"/>
+                    </a:schemeClr>
+                  </a:solidFill>
+                  <a:latin typeface="Aharoni" panose="02010803020104030203" pitchFamily="2" charset="-79"/>
+                  <a:cs typeface="Aharoni" panose="02010803020104030203" pitchFamily="2" charset="-79"/>
+                </a:rPr>
+                <a:t>runtime</a:t>
+              </a:r>
+              <a:endParaRPr lang="ko-KR" altLang="en-US" sz="1100" dirty="0">
+                <a:solidFill>
+                  <a:schemeClr val="bg1">
+                    <a:lumMod val="65000"/>
+                  </a:schemeClr>
+                </a:solidFill>
+                <a:latin typeface="Aharoni" panose="02010803020104030203" pitchFamily="2" charset="-79"/>
+                <a:cs typeface="Aharoni" panose="02010803020104030203" pitchFamily="2" charset="-79"/>
+              </a:endParaRPr>
+            </a:p>
+          </p:txBody>
+        </p:sp>
+      </p:grpSp>
+      <p:grpSp>
+        <p:nvGrpSpPr>
+          <p:cNvPr id="6" name="그룹 5">
+            <a:extLst>
+              <a:ext uri="{FF2B5EF4-FFF2-40B4-BE49-F238E27FC236}">
+                <a16:creationId xmlns:a16="http://schemas.microsoft.com/office/drawing/2014/main" id="{519565F2-3153-485F-A65D-3C8541A8BD41}"/>
+              </a:ext>
+            </a:extLst>
+          </p:cNvPr>
+          <p:cNvGrpSpPr/>
+          <p:nvPr/>
+        </p:nvGrpSpPr>
+        <p:grpSpPr>
+          <a:xfrm>
+            <a:off x="6997643" y="5814517"/>
+            <a:ext cx="2374368" cy="834056"/>
+            <a:chOff x="6627758" y="5901525"/>
+            <a:chExt cx="2374368" cy="834056"/>
+          </a:xfrm>
+        </p:grpSpPr>
+        <p:pic>
+          <p:nvPicPr>
+            <p:cNvPr id="1048" name="Picture 24" descr="npmì ëí ì´ë¯¸ì§ ê²ìê²°ê³¼">
+              <a:extLst>
+                <a:ext uri="{FF2B5EF4-FFF2-40B4-BE49-F238E27FC236}">
+                  <a16:creationId xmlns:a16="http://schemas.microsoft.com/office/drawing/2014/main" id="{E0E063AF-9147-40C2-A6FC-DE94A50D5136}"/>
+                </a:ext>
+              </a:extLst>
+            </p:cNvPr>
+            <p:cNvPicPr>
+              <a:picLocks noChangeAspect="1" noChangeArrowheads="1"/>
+            </p:cNvPicPr>
+            <p:nvPr/>
+          </p:nvPicPr>
+          <p:blipFill>
+            <a:blip r:embed="rId8">
+              <a:extLst>
+                <a:ext uri="{28A0092B-C50C-407E-A947-70E740481C1C}">
+                  <a14:useLocalDpi xmlns:a14="http://schemas.microsoft.com/office/drawing/2010/main" val="0"/>
+                </a:ext>
+              </a:extLst>
+            </a:blip>
+            <a:srcRect/>
+            <a:stretch>
+              <a:fillRect/>
+            </a:stretch>
+          </p:blipFill>
+          <p:spPr bwMode="auto">
+            <a:xfrm>
+              <a:off x="7217756" y="5901525"/>
+              <a:ext cx="1194372" cy="647576"/>
+            </a:xfrm>
+            <a:prstGeom prst="rect">
+              <a:avLst/>
+            </a:prstGeom>
+            <a:noFill/>
+            <a:extLst>
+              <a:ext uri="{909E8E84-426E-40DD-AFC4-6F175D3DCCD1}">
+                <a14:hiddenFill xmlns:a14="http://schemas.microsoft.com/office/drawing/2010/main">
+                  <a:solidFill>
+                    <a:srgbClr val="FFFFFF"/>
+                  </a:solidFill>
+                </a14:hiddenFill>
+              </a:ext>
+            </a:extLst>
+          </p:spPr>
+        </p:pic>
+        <p:sp>
+          <p:nvSpPr>
+            <p:cNvPr id="22" name="TextBox 21">
+              <a:extLst>
+                <a:ext uri="{FF2B5EF4-FFF2-40B4-BE49-F238E27FC236}">
+                  <a16:creationId xmlns:a16="http://schemas.microsoft.com/office/drawing/2014/main" id="{197CEEF4-2B60-41F0-9FD5-B7661FE8D663}"/>
+                </a:ext>
+              </a:extLst>
+            </p:cNvPr>
+            <p:cNvSpPr txBox="1"/>
+            <p:nvPr/>
+          </p:nvSpPr>
+          <p:spPr>
+            <a:xfrm>
+              <a:off x="6627758" y="6473971"/>
+              <a:ext cx="2374368" cy="261610"/>
+            </a:xfrm>
+            <a:prstGeom prst="rect">
+              <a:avLst/>
+            </a:prstGeom>
+            <a:noFill/>
+          </p:spPr>
+          <p:txBody>
+            <a:bodyPr wrap="none" rtlCol="0">
+              <a:spAutoFit/>
+            </a:bodyPr>
+            <a:lstStyle/>
+            <a:p>
+              <a:r>
+                <a:rPr lang="en-US" altLang="ko-KR" sz="1100" dirty="0">
+                  <a:solidFill>
+                    <a:schemeClr val="bg1">
+                      <a:lumMod val="65000"/>
+                    </a:schemeClr>
+                  </a:solidFill>
+                  <a:latin typeface="Aharoni" panose="02010803020104030203" pitchFamily="2" charset="-79"/>
+                  <a:cs typeface="Aharoni" panose="02010803020104030203" pitchFamily="2" charset="-79"/>
+                </a:rPr>
+                <a:t>package manager for JavaScript</a:t>
+              </a:r>
+              <a:endParaRPr lang="ko-KR" altLang="en-US" sz="1100" dirty="0">
+                <a:solidFill>
+                  <a:schemeClr val="bg1">
+                    <a:lumMod val="65000"/>
+                  </a:schemeClr>
+                </a:solidFill>
+                <a:latin typeface="Aharoni" panose="02010803020104030203" pitchFamily="2" charset="-79"/>
+                <a:cs typeface="Aharoni" panose="02010803020104030203" pitchFamily="2" charset="-79"/>
+              </a:endParaRPr>
+            </a:p>
+          </p:txBody>
+        </p:sp>
+      </p:grpSp>
+      <p:grpSp>
+        <p:nvGrpSpPr>
+          <p:cNvPr id="9" name="그룹 8">
+            <a:extLst>
+              <a:ext uri="{FF2B5EF4-FFF2-40B4-BE49-F238E27FC236}">
+                <a16:creationId xmlns:a16="http://schemas.microsoft.com/office/drawing/2014/main" id="{9FEE4DDF-0C93-4D03-8578-AF0B6A7D58C9}"/>
+              </a:ext>
+            </a:extLst>
+          </p:cNvPr>
+          <p:cNvGrpSpPr/>
+          <p:nvPr/>
+        </p:nvGrpSpPr>
+        <p:grpSpPr>
+          <a:xfrm>
+            <a:off x="4491951" y="4693123"/>
+            <a:ext cx="3201517" cy="914634"/>
+            <a:chOff x="4543554" y="4918146"/>
+            <a:chExt cx="3201517" cy="914634"/>
+          </a:xfrm>
+        </p:grpSpPr>
+        <p:pic>
+          <p:nvPicPr>
+            <p:cNvPr id="1034" name="Picture 10" descr="cordovaì ëí ì´ë¯¸ì§ ê²ìê²°ê³¼">
+              <a:extLst>
+                <a:ext uri="{FF2B5EF4-FFF2-40B4-BE49-F238E27FC236}">
+                  <a16:creationId xmlns:a16="http://schemas.microsoft.com/office/drawing/2014/main" id="{2461E170-44A5-4CF7-80BC-93CD399259CB}"/>
+                </a:ext>
+              </a:extLst>
+            </p:cNvPr>
+            <p:cNvPicPr>
+              <a:picLocks noChangeAspect="1" noChangeArrowheads="1"/>
+            </p:cNvPicPr>
+            <p:nvPr/>
+          </p:nvPicPr>
+          <p:blipFill>
+            <a:blip r:embed="rId9">
+              <a:extLst>
+                <a:ext uri="{28A0092B-C50C-407E-A947-70E740481C1C}">
+                  <a14:useLocalDpi xmlns:a14="http://schemas.microsoft.com/office/drawing/2010/main" val="0"/>
+                </a:ext>
+              </a:extLst>
+            </a:blip>
+            <a:srcRect/>
+            <a:stretch>
+              <a:fillRect/>
+            </a:stretch>
+          </p:blipFill>
+          <p:spPr bwMode="auto">
+            <a:xfrm>
+              <a:off x="4878236" y="4918146"/>
+              <a:ext cx="2435525" cy="724949"/>
+            </a:xfrm>
+            <a:prstGeom prst="rect">
+              <a:avLst/>
+            </a:prstGeom>
+            <a:noFill/>
+            <a:extLst>
+              <a:ext uri="{909E8E84-426E-40DD-AFC4-6F175D3DCCD1}">
+                <a14:hiddenFill xmlns:a14="http://schemas.microsoft.com/office/drawing/2010/main">
+                  <a:solidFill>
+                    <a:srgbClr val="FFFFFF"/>
+                  </a:solidFill>
+                </a14:hiddenFill>
+              </a:ext>
+            </a:extLst>
+          </p:spPr>
+        </p:pic>
+        <p:sp>
+          <p:nvSpPr>
+            <p:cNvPr id="24" name="TextBox 23">
+              <a:extLst>
+                <a:ext uri="{FF2B5EF4-FFF2-40B4-BE49-F238E27FC236}">
+                  <a16:creationId xmlns:a16="http://schemas.microsoft.com/office/drawing/2014/main" id="{F5A260D9-C9E3-490D-AF6C-9C580F4A75F2}"/>
+                </a:ext>
+              </a:extLst>
+            </p:cNvPr>
+            <p:cNvSpPr txBox="1"/>
+            <p:nvPr/>
+          </p:nvSpPr>
+          <p:spPr>
+            <a:xfrm>
+              <a:off x="4543554" y="5571170"/>
+              <a:ext cx="3201517" cy="261610"/>
+            </a:xfrm>
+            <a:prstGeom prst="rect">
+              <a:avLst/>
+            </a:prstGeom>
+            <a:noFill/>
+          </p:spPr>
+          <p:txBody>
+            <a:bodyPr wrap="none" rtlCol="0">
+              <a:spAutoFit/>
+            </a:bodyPr>
+            <a:lstStyle/>
+            <a:p>
+              <a:r>
+                <a:rPr lang="en-US" altLang="ko-KR" sz="1100" dirty="0">
+                  <a:solidFill>
+                    <a:schemeClr val="bg1">
+                      <a:lumMod val="65000"/>
+                    </a:schemeClr>
+                  </a:solidFill>
+                  <a:latin typeface="Aharoni" panose="02010803020104030203" pitchFamily="2" charset="-79"/>
+                  <a:cs typeface="Aharoni" panose="02010803020104030203" pitchFamily="2" charset="-79"/>
+                </a:rPr>
+                <a:t>Target multiple platforms with one code base</a:t>
+              </a:r>
+              <a:endParaRPr lang="ko-KR" altLang="en-US" sz="1100" dirty="0">
+                <a:solidFill>
+                  <a:schemeClr val="bg1">
+                    <a:lumMod val="65000"/>
+                  </a:schemeClr>
+                </a:solidFill>
+                <a:latin typeface="Aharoni" panose="02010803020104030203" pitchFamily="2" charset="-79"/>
+                <a:cs typeface="Aharoni" panose="02010803020104030203" pitchFamily="2" charset="-79"/>
+              </a:endParaRPr>
+            </a:p>
+          </p:txBody>
+        </p:sp>
+      </p:grpSp>
+      <p:grpSp>
+        <p:nvGrpSpPr>
+          <p:cNvPr id="10" name="그룹 9">
+            <a:extLst>
+              <a:ext uri="{FF2B5EF4-FFF2-40B4-BE49-F238E27FC236}">
+                <a16:creationId xmlns:a16="http://schemas.microsoft.com/office/drawing/2014/main" id="{CD3C1AD3-C258-4536-A0CE-44711CF08DAD}"/>
+              </a:ext>
+            </a:extLst>
+          </p:cNvPr>
+          <p:cNvGrpSpPr/>
+          <p:nvPr/>
+        </p:nvGrpSpPr>
+        <p:grpSpPr>
+          <a:xfrm>
+            <a:off x="5196471" y="3396873"/>
+            <a:ext cx="1792478" cy="931489"/>
+            <a:chOff x="5199759" y="3831239"/>
+            <a:chExt cx="1792478" cy="931489"/>
+          </a:xfrm>
+        </p:grpSpPr>
+        <p:pic>
+          <p:nvPicPr>
+            <p:cNvPr id="1052" name="Picture 28" descr="vue.jsì ëí ì´ë¯¸ì§ ê²ìê²°ê³¼">
+              <a:extLst>
+                <a:ext uri="{FF2B5EF4-FFF2-40B4-BE49-F238E27FC236}">
+                  <a16:creationId xmlns:a16="http://schemas.microsoft.com/office/drawing/2014/main" id="{62A6CB3A-48B4-4A47-BAA0-D5D5FDAD44D1}"/>
+                </a:ext>
+              </a:extLst>
+            </p:cNvPr>
+            <p:cNvPicPr>
+              <a:picLocks noChangeAspect="1" noChangeArrowheads="1"/>
+            </p:cNvPicPr>
+            <p:nvPr/>
+          </p:nvPicPr>
+          <p:blipFill>
+            <a:blip r:embed="rId10">
+              <a:extLst>
+                <a:ext uri="{28A0092B-C50C-407E-A947-70E740481C1C}">
+                  <a14:useLocalDpi xmlns:a14="http://schemas.microsoft.com/office/drawing/2010/main" val="0"/>
+                </a:ext>
+              </a:extLst>
+            </a:blip>
+            <a:srcRect/>
+            <a:stretch>
+              <a:fillRect/>
+            </a:stretch>
+          </p:blipFill>
+          <p:spPr bwMode="auto">
+            <a:xfrm>
+              <a:off x="5715488" y="3831239"/>
+              <a:ext cx="761023" cy="761023"/>
+            </a:xfrm>
+            <a:prstGeom prst="rect">
+              <a:avLst/>
+            </a:prstGeom>
+            <a:noFill/>
+            <a:extLst>
+              <a:ext uri="{909E8E84-426E-40DD-AFC4-6F175D3DCCD1}">
+                <a14:hiddenFill xmlns:a14="http://schemas.microsoft.com/office/drawing/2010/main">
+                  <a:solidFill>
+                    <a:srgbClr val="FFFFFF"/>
+                  </a:solidFill>
+                </a14:hiddenFill>
+              </a:ext>
+            </a:extLst>
+          </p:spPr>
+        </p:pic>
+        <p:sp>
+          <p:nvSpPr>
+            <p:cNvPr id="27" name="TextBox 26">
+              <a:extLst>
+                <a:ext uri="{FF2B5EF4-FFF2-40B4-BE49-F238E27FC236}">
+                  <a16:creationId xmlns:a16="http://schemas.microsoft.com/office/drawing/2014/main" id="{1C9757AB-E583-478A-A7F7-05530F0C70E2}"/>
+                </a:ext>
+              </a:extLst>
+            </p:cNvPr>
+            <p:cNvSpPr txBox="1"/>
+            <p:nvPr/>
+          </p:nvSpPr>
+          <p:spPr>
+            <a:xfrm>
+              <a:off x="5199759" y="4501118"/>
+              <a:ext cx="1792478" cy="261610"/>
+            </a:xfrm>
+            <a:prstGeom prst="rect">
+              <a:avLst/>
+            </a:prstGeom>
+            <a:noFill/>
+          </p:spPr>
+          <p:txBody>
+            <a:bodyPr wrap="none" rtlCol="0">
+              <a:spAutoFit/>
+            </a:bodyPr>
+            <a:lstStyle/>
+            <a:p>
+              <a:r>
+                <a:rPr lang="en-US" altLang="ko-KR" sz="1100" dirty="0">
+                  <a:solidFill>
+                    <a:schemeClr val="bg1">
+                      <a:lumMod val="65000"/>
+                    </a:schemeClr>
+                  </a:solidFill>
+                  <a:latin typeface="Aharoni" panose="02010803020104030203" pitchFamily="2" charset="-79"/>
+                  <a:cs typeface="Aharoni" panose="02010803020104030203" pitchFamily="2" charset="-79"/>
+                </a:rPr>
+                <a:t>Vue.js </a:t>
+              </a:r>
+              <a:r>
+                <a:rPr lang="en-US" altLang="ko-KR" sz="1100" dirty="0" err="1">
+                  <a:solidFill>
+                    <a:schemeClr val="bg1">
+                      <a:lumMod val="65000"/>
+                    </a:schemeClr>
+                  </a:solidFill>
+                  <a:latin typeface="Aharoni" panose="02010803020104030203" pitchFamily="2" charset="-79"/>
+                  <a:cs typeface="Aharoni" panose="02010803020104030203" pitchFamily="2" charset="-79"/>
+                </a:rPr>
+                <a:t>javascript</a:t>
+              </a:r>
+              <a:r>
+                <a:rPr lang="en-US" altLang="ko-KR" sz="1100" dirty="0">
+                  <a:solidFill>
+                    <a:schemeClr val="bg1">
+                      <a:lumMod val="65000"/>
+                    </a:schemeClr>
+                  </a:solidFill>
+                  <a:latin typeface="Aharoni" panose="02010803020104030203" pitchFamily="2" charset="-79"/>
+                  <a:cs typeface="Aharoni" panose="02010803020104030203" pitchFamily="2" charset="-79"/>
+                </a:rPr>
+                <a:t> library</a:t>
+              </a:r>
+              <a:endParaRPr lang="ko-KR" altLang="en-US" sz="1100" dirty="0">
+                <a:solidFill>
+                  <a:schemeClr val="bg1">
+                    <a:lumMod val="65000"/>
+                  </a:schemeClr>
+                </a:solidFill>
+                <a:latin typeface="Aharoni" panose="02010803020104030203" pitchFamily="2" charset="-79"/>
+                <a:cs typeface="Aharoni" panose="02010803020104030203" pitchFamily="2" charset="-79"/>
+              </a:endParaRPr>
+            </a:p>
+          </p:txBody>
+        </p:sp>
+      </p:grpSp>
+      <p:sp>
+        <p:nvSpPr>
+          <p:cNvPr id="29" name="TextBox 28">
+            <a:extLst>
+              <a:ext uri="{FF2B5EF4-FFF2-40B4-BE49-F238E27FC236}">
+                <a16:creationId xmlns:a16="http://schemas.microsoft.com/office/drawing/2014/main" id="{738ECE18-C40E-4786-A89F-20C33764A6CF}"/>
+              </a:ext>
+            </a:extLst>
+          </p:cNvPr>
+          <p:cNvSpPr txBox="1"/>
+          <p:nvPr/>
+        </p:nvSpPr>
+        <p:spPr>
+          <a:xfrm>
+            <a:off x="1500712" y="6007500"/>
+            <a:ext cx="1388522" cy="261610"/>
+          </a:xfrm>
+          <a:prstGeom prst="rect">
+            <a:avLst/>
+          </a:prstGeom>
+          <a:noFill/>
+        </p:spPr>
+        <p:txBody>
+          <a:bodyPr wrap="none" rtlCol="0">
+            <a:spAutoFit/>
+          </a:bodyPr>
+          <a:lstStyle/>
+          <a:p>
+            <a:r>
+              <a:rPr lang="en-US" altLang="ko-KR" sz="1100" dirty="0" err="1">
+                <a:solidFill>
+                  <a:schemeClr val="bg1">
+                    <a:lumMod val="65000"/>
+                  </a:schemeClr>
+                </a:solidFill>
+                <a:latin typeface="Aharoni" panose="02010803020104030203" pitchFamily="2" charset="-79"/>
+                <a:cs typeface="Aharoni" panose="02010803020104030203" pitchFamily="2" charset="-79"/>
+              </a:rPr>
+              <a:t>javascript</a:t>
+            </a:r>
+            <a:r>
+              <a:rPr lang="ko-KR" altLang="en-US" sz="1100" dirty="0">
+                <a:solidFill>
+                  <a:schemeClr val="bg1">
+                    <a:lumMod val="65000"/>
+                  </a:schemeClr>
+                </a:solidFill>
+                <a:latin typeface="Aharoni" panose="02010803020104030203" pitchFamily="2" charset="-79"/>
+                <a:cs typeface="Aharoni" panose="02010803020104030203" pitchFamily="2" charset="-79"/>
+              </a:rPr>
+              <a:t> </a:t>
+            </a:r>
+            <a:r>
+              <a:rPr lang="en-US" altLang="ko-KR" sz="1100" dirty="0">
+                <a:solidFill>
+                  <a:schemeClr val="bg1">
+                    <a:lumMod val="65000"/>
+                  </a:schemeClr>
+                </a:solidFill>
+                <a:latin typeface="Aharoni" panose="02010803020104030203" pitchFamily="2" charset="-79"/>
+                <a:cs typeface="Aharoni" panose="02010803020104030203" pitchFamily="2" charset="-79"/>
+              </a:rPr>
+              <a:t>runtime</a:t>
+            </a:r>
+            <a:endParaRPr lang="ko-KR" altLang="en-US" sz="1100" dirty="0">
+              <a:solidFill>
+                <a:schemeClr val="bg1">
+                  <a:lumMod val="65000"/>
+                </a:schemeClr>
+              </a:solidFill>
+              <a:latin typeface="Aharoni" panose="02010803020104030203" pitchFamily="2" charset="-79"/>
+              <a:cs typeface="Aharoni" panose="02010803020104030203" pitchFamily="2" charset="-79"/>
+            </a:endParaRPr>
+          </a:p>
+        </p:txBody>
+      </p:sp>
+      <p:grpSp>
+        <p:nvGrpSpPr>
+          <p:cNvPr id="13" name="그룹 12">
+            <a:extLst>
+              <a:ext uri="{FF2B5EF4-FFF2-40B4-BE49-F238E27FC236}">
+                <a16:creationId xmlns:a16="http://schemas.microsoft.com/office/drawing/2014/main" id="{36F161C2-0A56-4F46-9218-9F2F01DE97F9}"/>
+              </a:ext>
+            </a:extLst>
+          </p:cNvPr>
+          <p:cNvGrpSpPr/>
+          <p:nvPr/>
+        </p:nvGrpSpPr>
+        <p:grpSpPr>
+          <a:xfrm>
+            <a:off x="6473223" y="2163297"/>
+            <a:ext cx="1972600" cy="1184217"/>
+            <a:chOff x="6473223" y="2163297"/>
+            <a:chExt cx="1972600" cy="1184217"/>
+          </a:xfrm>
+        </p:grpSpPr>
+        <p:pic>
+          <p:nvPicPr>
+            <p:cNvPr id="3" name="Picture 4" descr="vue routerì ëí ì´ë¯¸ì§ ê²ìê²°ê³¼">
+              <a:extLst>
+                <a:ext uri="{FF2B5EF4-FFF2-40B4-BE49-F238E27FC236}">
+                  <a16:creationId xmlns:a16="http://schemas.microsoft.com/office/drawing/2014/main" id="{A5B5C81A-A5B0-41C9-82C4-5FA10253A2D2}"/>
+                </a:ext>
+              </a:extLst>
+            </p:cNvPr>
+            <p:cNvPicPr>
+              <a:picLocks noChangeAspect="1" noChangeArrowheads="1"/>
+            </p:cNvPicPr>
+            <p:nvPr/>
+          </p:nvPicPr>
+          <p:blipFill>
+            <a:blip r:embed="rId11">
+              <a:extLst>
+                <a:ext uri="{28A0092B-C50C-407E-A947-70E740481C1C}">
+                  <a14:useLocalDpi xmlns:a14="http://schemas.microsoft.com/office/drawing/2010/main" val="0"/>
+                </a:ext>
+              </a:extLst>
+            </a:blip>
+            <a:srcRect/>
+            <a:stretch>
+              <a:fillRect/>
+            </a:stretch>
+          </p:blipFill>
+          <p:spPr bwMode="auto">
+            <a:xfrm>
+              <a:off x="6473223" y="2163297"/>
+              <a:ext cx="1972600" cy="935701"/>
+            </a:xfrm>
+            <a:prstGeom prst="rect">
+              <a:avLst/>
+            </a:prstGeom>
+            <a:noFill/>
+            <a:extLst>
+              <a:ext uri="{909E8E84-426E-40DD-AFC4-6F175D3DCCD1}">
+                <a14:hiddenFill xmlns:a14="http://schemas.microsoft.com/office/drawing/2010/main">
+                  <a:solidFill>
+                    <a:srgbClr val="FFFFFF"/>
+                  </a:solidFill>
+                </a14:hiddenFill>
+              </a:ext>
+            </a:extLst>
+          </p:spPr>
+        </p:pic>
+        <p:sp>
+          <p:nvSpPr>
+            <p:cNvPr id="30" name="TextBox 29">
+              <a:extLst>
+                <a:ext uri="{FF2B5EF4-FFF2-40B4-BE49-F238E27FC236}">
+                  <a16:creationId xmlns:a16="http://schemas.microsoft.com/office/drawing/2014/main" id="{BCAA7079-F5E4-4442-89B4-36CC102CA0D3}"/>
+                </a:ext>
+              </a:extLst>
+            </p:cNvPr>
+            <p:cNvSpPr txBox="1"/>
+            <p:nvPr/>
+          </p:nvSpPr>
+          <p:spPr>
+            <a:xfrm>
+              <a:off x="6802685" y="3085904"/>
+              <a:ext cx="1327608" cy="261610"/>
+            </a:xfrm>
+            <a:prstGeom prst="rect">
+              <a:avLst/>
+            </a:prstGeom>
+            <a:noFill/>
+          </p:spPr>
+          <p:txBody>
+            <a:bodyPr wrap="none" rtlCol="0">
+              <a:spAutoFit/>
+            </a:bodyPr>
+            <a:lstStyle/>
+            <a:p>
+              <a:r>
+                <a:rPr lang="en-US" altLang="ko-KR" sz="1100" dirty="0">
+                  <a:solidFill>
+                    <a:schemeClr val="bg1">
+                      <a:lumMod val="65000"/>
+                    </a:schemeClr>
+                  </a:solidFill>
+                  <a:latin typeface="Aharoni" panose="02010803020104030203" pitchFamily="2" charset="-79"/>
+                  <a:cs typeface="Aharoni" panose="02010803020104030203" pitchFamily="2" charset="-79"/>
+                </a:rPr>
+                <a:t>routing vue.js file</a:t>
+              </a:r>
+              <a:endParaRPr lang="ko-KR" altLang="en-US" sz="1100" dirty="0">
+                <a:solidFill>
+                  <a:schemeClr val="bg1">
+                    <a:lumMod val="65000"/>
+                  </a:schemeClr>
+                </a:solidFill>
+                <a:latin typeface="Aharoni" panose="02010803020104030203" pitchFamily="2" charset="-79"/>
+                <a:cs typeface="Aharoni" panose="02010803020104030203" pitchFamily="2" charset="-79"/>
+              </a:endParaRPr>
+            </a:p>
+          </p:txBody>
+        </p:sp>
+      </p:grpSp>
+      <p:grpSp>
+        <p:nvGrpSpPr>
+          <p:cNvPr id="11" name="그룹 10">
+            <a:extLst>
+              <a:ext uri="{FF2B5EF4-FFF2-40B4-BE49-F238E27FC236}">
+                <a16:creationId xmlns:a16="http://schemas.microsoft.com/office/drawing/2014/main" id="{47248DEA-F341-4D55-87FD-65A4A767DC98}"/>
+              </a:ext>
+            </a:extLst>
+          </p:cNvPr>
+          <p:cNvGrpSpPr/>
+          <p:nvPr/>
+        </p:nvGrpSpPr>
+        <p:grpSpPr>
+          <a:xfrm>
+            <a:off x="8739413" y="4782217"/>
+            <a:ext cx="2124382" cy="792407"/>
+            <a:chOff x="8765200" y="4667143"/>
+            <a:chExt cx="2124382" cy="792407"/>
+          </a:xfrm>
+        </p:grpSpPr>
+        <p:pic>
+          <p:nvPicPr>
+            <p:cNvPr id="1036" name="Picture 12" descr="webpackì ëí ì´ë¯¸ì§ ê²ìê²°ê³¼">
+              <a:extLst>
+                <a:ext uri="{FF2B5EF4-FFF2-40B4-BE49-F238E27FC236}">
+                  <a16:creationId xmlns:a16="http://schemas.microsoft.com/office/drawing/2014/main" id="{D4A227A6-20E7-4B7C-BB27-F64D407E9A7F}"/>
+                </a:ext>
+              </a:extLst>
+            </p:cNvPr>
+            <p:cNvPicPr>
+              <a:picLocks noChangeAspect="1" noChangeArrowheads="1"/>
+            </p:cNvPicPr>
+            <p:nvPr/>
+          </p:nvPicPr>
+          <p:blipFill rotWithShape="1">
+            <a:blip r:embed="rId12">
+              <a:extLst>
+                <a:ext uri="{28A0092B-C50C-407E-A947-70E740481C1C}">
+                  <a14:useLocalDpi xmlns:a14="http://schemas.microsoft.com/office/drawing/2010/main" val="0"/>
+                </a:ext>
+              </a:extLst>
+            </a:blip>
+            <a:srcRect l="8864" t="18171" r="8864" b="18171"/>
+            <a:stretch/>
+          </p:blipFill>
+          <p:spPr bwMode="auto">
+            <a:xfrm>
+              <a:off x="8765200" y="4667143"/>
+              <a:ext cx="2124382" cy="639092"/>
+            </a:xfrm>
+            <a:prstGeom prst="rect">
+              <a:avLst/>
+            </a:prstGeom>
+            <a:noFill/>
+            <a:extLst>
+              <a:ext uri="{909E8E84-426E-40DD-AFC4-6F175D3DCCD1}">
+                <a14:hiddenFill xmlns:a14="http://schemas.microsoft.com/office/drawing/2010/main">
+                  <a:solidFill>
+                    <a:srgbClr val="FFFFFF"/>
+                  </a:solidFill>
+                </a14:hiddenFill>
+              </a:ext>
+            </a:extLst>
+          </p:spPr>
+        </p:pic>
+        <p:sp>
+          <p:nvSpPr>
+            <p:cNvPr id="32" name="TextBox 31">
+              <a:extLst>
+                <a:ext uri="{FF2B5EF4-FFF2-40B4-BE49-F238E27FC236}">
+                  <a16:creationId xmlns:a16="http://schemas.microsoft.com/office/drawing/2014/main" id="{6E2B7D43-BDF2-4D64-8DB8-39315F6652A6}"/>
+                </a:ext>
+              </a:extLst>
+            </p:cNvPr>
+            <p:cNvSpPr txBox="1"/>
+            <p:nvPr/>
+          </p:nvSpPr>
+          <p:spPr>
+            <a:xfrm>
+              <a:off x="9084685" y="5197940"/>
+              <a:ext cx="1571264" cy="261610"/>
+            </a:xfrm>
+            <a:prstGeom prst="rect">
+              <a:avLst/>
+            </a:prstGeom>
+            <a:noFill/>
+          </p:spPr>
+          <p:txBody>
+            <a:bodyPr wrap="none" rtlCol="0">
+              <a:spAutoFit/>
+            </a:bodyPr>
+            <a:lstStyle>
+              <a:defPPr>
+                <a:defRPr lang="ko-KR"/>
+              </a:defPPr>
+              <a:lvl1pPr>
+                <a:defRPr sz="1100">
+                  <a:solidFill>
+                    <a:schemeClr val="bg1">
+                      <a:lumMod val="65000"/>
+                    </a:schemeClr>
+                  </a:solidFill>
+                  <a:latin typeface="Aharoni" panose="02010803020104030203" pitchFamily="2" charset="-79"/>
+                  <a:cs typeface="Aharoni" panose="02010803020104030203" pitchFamily="2" charset="-79"/>
+                </a:defRPr>
+              </a:lvl1pPr>
+            </a:lstStyle>
+            <a:p>
+              <a:r>
+                <a:rPr lang="en-US" altLang="ko-KR" dirty="0"/>
+                <a:t>bundle scripts</a:t>
+              </a:r>
+              <a:r>
+                <a:rPr lang="ko-KR" altLang="en-US" dirty="0"/>
+                <a:t> </a:t>
+              </a:r>
+              <a:r>
+                <a:rPr lang="en-US" altLang="ko-KR" dirty="0"/>
+                <a:t>/</a:t>
+              </a:r>
+              <a:r>
+                <a:rPr lang="ko-KR" altLang="en-US" dirty="0"/>
+                <a:t> </a:t>
+              </a:r>
+              <a:r>
+                <a:rPr lang="en-US" altLang="ko-KR" dirty="0"/>
+                <a:t>asset</a:t>
+              </a:r>
+            </a:p>
+          </p:txBody>
+        </p:sp>
+      </p:grpSp>
+      <p:grpSp>
+        <p:nvGrpSpPr>
+          <p:cNvPr id="15" name="그룹 14">
+            <a:extLst>
+              <a:ext uri="{FF2B5EF4-FFF2-40B4-BE49-F238E27FC236}">
+                <a16:creationId xmlns:a16="http://schemas.microsoft.com/office/drawing/2014/main" id="{6A1063EA-E9E1-4D81-9190-534EADF5EC9A}"/>
+              </a:ext>
+            </a:extLst>
+          </p:cNvPr>
+          <p:cNvGrpSpPr/>
+          <p:nvPr/>
+        </p:nvGrpSpPr>
+        <p:grpSpPr>
+          <a:xfrm>
+            <a:off x="684128" y="2565453"/>
+            <a:ext cx="2666114" cy="1211931"/>
+            <a:chOff x="774671" y="2478728"/>
+            <a:chExt cx="2666114" cy="1211931"/>
+          </a:xfrm>
+        </p:grpSpPr>
+        <p:pic>
+          <p:nvPicPr>
+            <p:cNvPr id="1038" name="Picture 14" descr="moment.jsì ëí ì´ë¯¸ì§ ê²ìê²°ê³¼">
+              <a:extLst>
+                <a:ext uri="{FF2B5EF4-FFF2-40B4-BE49-F238E27FC236}">
+                  <a16:creationId xmlns:a16="http://schemas.microsoft.com/office/drawing/2014/main" id="{B8667178-ABA8-4BEA-9C5E-F92F063774B3}"/>
+                </a:ext>
+              </a:extLst>
+            </p:cNvPr>
+            <p:cNvPicPr>
+              <a:picLocks noChangeAspect="1" noChangeArrowheads="1"/>
+            </p:cNvPicPr>
+            <p:nvPr/>
+          </p:nvPicPr>
+          <p:blipFill>
+            <a:blip r:embed="rId13">
+              <a:extLst>
+                <a:ext uri="{28A0092B-C50C-407E-A947-70E740481C1C}">
+                  <a14:useLocalDpi xmlns:a14="http://schemas.microsoft.com/office/drawing/2010/main" val="0"/>
+                </a:ext>
+              </a:extLst>
+            </a:blip>
+            <a:srcRect/>
+            <a:stretch>
+              <a:fillRect/>
+            </a:stretch>
+          </p:blipFill>
+          <p:spPr bwMode="auto">
+            <a:xfrm>
+              <a:off x="1413467" y="2478728"/>
+              <a:ext cx="1388523" cy="781044"/>
+            </a:xfrm>
+            <a:prstGeom prst="rect">
+              <a:avLst/>
+            </a:prstGeom>
+            <a:noFill/>
+            <a:extLst>
+              <a:ext uri="{909E8E84-426E-40DD-AFC4-6F175D3DCCD1}">
+                <a14:hiddenFill xmlns:a14="http://schemas.microsoft.com/office/drawing/2010/main">
+                  <a:solidFill>
+                    <a:srgbClr val="FFFFFF"/>
+                  </a:solidFill>
+                </a14:hiddenFill>
+              </a:ext>
+            </a:extLst>
+          </p:spPr>
+        </p:pic>
+        <p:sp>
+          <p:nvSpPr>
+            <p:cNvPr id="14" name="직사각형 13">
+              <a:extLst>
+                <a:ext uri="{FF2B5EF4-FFF2-40B4-BE49-F238E27FC236}">
+                  <a16:creationId xmlns:a16="http://schemas.microsoft.com/office/drawing/2014/main" id="{50D7854D-6B07-428A-8B18-A3D79CD88CE6}"/>
+                </a:ext>
+              </a:extLst>
+            </p:cNvPr>
+            <p:cNvSpPr/>
+            <p:nvPr/>
+          </p:nvSpPr>
+          <p:spPr>
+            <a:xfrm>
+              <a:off x="774671" y="3259772"/>
+              <a:ext cx="2666114" cy="430887"/>
+            </a:xfrm>
+            <a:prstGeom prst="rect">
+              <a:avLst/>
+            </a:prstGeom>
+            <a:noFill/>
+          </p:spPr>
+          <p:txBody>
+            <a:bodyPr wrap="none" rtlCol="0">
+              <a:spAutoFit/>
+            </a:bodyPr>
+            <a:lstStyle/>
+            <a:p>
+              <a:pPr algn="ctr"/>
+              <a:r>
+                <a:rPr lang="en-US" altLang="ko-KR" sz="1100" dirty="0">
+                  <a:solidFill>
+                    <a:schemeClr val="bg1">
+                      <a:lumMod val="65000"/>
+                    </a:schemeClr>
+                  </a:solidFill>
+                  <a:latin typeface="Aharoni" panose="02010803020104030203" pitchFamily="2" charset="-79"/>
+                  <a:cs typeface="Aharoni" panose="02010803020104030203" pitchFamily="2" charset="-79"/>
+                </a:rPr>
+                <a:t>Parse, validate, manipulate, and </a:t>
+              </a:r>
+            </a:p>
+            <a:p>
+              <a:pPr algn="ctr"/>
+              <a:r>
+                <a:rPr lang="en-US" altLang="ko-KR" sz="1100" dirty="0">
+                  <a:solidFill>
+                    <a:schemeClr val="bg1">
+                      <a:lumMod val="65000"/>
+                    </a:schemeClr>
+                  </a:solidFill>
+                  <a:latin typeface="Aharoni" panose="02010803020104030203" pitchFamily="2" charset="-79"/>
+                  <a:cs typeface="Aharoni" panose="02010803020104030203" pitchFamily="2" charset="-79"/>
+                </a:rPr>
+                <a:t>display dates and times in JavaScript</a:t>
+              </a:r>
+            </a:p>
+          </p:txBody>
+        </p:sp>
+      </p:grpSp>
+      <p:grpSp>
+        <p:nvGrpSpPr>
+          <p:cNvPr id="17" name="그룹 16">
+            <a:extLst>
+              <a:ext uri="{FF2B5EF4-FFF2-40B4-BE49-F238E27FC236}">
+                <a16:creationId xmlns:a16="http://schemas.microsoft.com/office/drawing/2014/main" id="{71B9E237-69A0-46CD-A1FE-C4AA5180DF18}"/>
+              </a:ext>
+            </a:extLst>
+          </p:cNvPr>
+          <p:cNvGrpSpPr/>
+          <p:nvPr/>
+        </p:nvGrpSpPr>
+        <p:grpSpPr>
+          <a:xfrm>
+            <a:off x="900376" y="3872957"/>
+            <a:ext cx="2361544" cy="1572803"/>
+            <a:chOff x="906715" y="3648106"/>
+            <a:chExt cx="2361544" cy="1572803"/>
+          </a:xfrm>
+        </p:grpSpPr>
+        <p:pic>
+          <p:nvPicPr>
+            <p:cNvPr id="1046" name="Picture 22" descr="veevalidateì ëí ì´ë¯¸ì§ ê²ìê²°ê³¼">
+              <a:extLst>
+                <a:ext uri="{FF2B5EF4-FFF2-40B4-BE49-F238E27FC236}">
+                  <a16:creationId xmlns:a16="http://schemas.microsoft.com/office/drawing/2014/main" id="{A03F106A-883A-48DA-AEF1-80C50EB51B0C}"/>
+                </a:ext>
+              </a:extLst>
+            </p:cNvPr>
+            <p:cNvPicPr>
+              <a:picLocks noChangeAspect="1" noChangeArrowheads="1"/>
+            </p:cNvPicPr>
+            <p:nvPr/>
+          </p:nvPicPr>
+          <p:blipFill>
+            <a:blip r:embed="rId14">
+              <a:extLst>
+                <a:ext uri="{28A0092B-C50C-407E-A947-70E740481C1C}">
+                  <a14:useLocalDpi xmlns:a14="http://schemas.microsoft.com/office/drawing/2010/main" val="0"/>
+                </a:ext>
+              </a:extLst>
+            </a:blip>
+            <a:srcRect/>
+            <a:stretch>
+              <a:fillRect/>
+            </a:stretch>
+          </p:blipFill>
+          <p:spPr bwMode="auto">
+            <a:xfrm>
+              <a:off x="1657053" y="3648106"/>
+              <a:ext cx="856793" cy="1177830"/>
+            </a:xfrm>
+            <a:prstGeom prst="rect">
+              <a:avLst/>
+            </a:prstGeom>
+            <a:noFill/>
+            <a:extLst>
+              <a:ext uri="{909E8E84-426E-40DD-AFC4-6F175D3DCCD1}">
+                <a14:hiddenFill xmlns:a14="http://schemas.microsoft.com/office/drawing/2010/main">
+                  <a:solidFill>
+                    <a:srgbClr val="FFFFFF"/>
+                  </a:solidFill>
+                </a14:hiddenFill>
+              </a:ext>
+            </a:extLst>
+          </p:spPr>
+        </p:pic>
+        <p:sp>
+          <p:nvSpPr>
+            <p:cNvPr id="16" name="직사각형 15">
+              <a:extLst>
+                <a:ext uri="{FF2B5EF4-FFF2-40B4-BE49-F238E27FC236}">
+                  <a16:creationId xmlns:a16="http://schemas.microsoft.com/office/drawing/2014/main" id="{27EDBBA5-1576-4D97-8217-EC4EBC2A5556}"/>
+                </a:ext>
+              </a:extLst>
+            </p:cNvPr>
+            <p:cNvSpPr/>
+            <p:nvPr/>
+          </p:nvSpPr>
+          <p:spPr>
+            <a:xfrm>
+              <a:off x="906715" y="4790022"/>
+              <a:ext cx="2361544" cy="430887"/>
+            </a:xfrm>
+            <a:prstGeom prst="rect">
+              <a:avLst/>
+            </a:prstGeom>
+            <a:noFill/>
+          </p:spPr>
+          <p:txBody>
+            <a:bodyPr wrap="none" rtlCol="0">
+              <a:spAutoFit/>
+            </a:bodyPr>
+            <a:lstStyle/>
+            <a:p>
+              <a:pPr algn="ctr"/>
+              <a:r>
+                <a:rPr lang="en-US" altLang="ko-KR" sz="1100" dirty="0">
+                  <a:solidFill>
+                    <a:schemeClr val="bg1">
+                      <a:lumMod val="65000"/>
+                    </a:schemeClr>
+                  </a:solidFill>
+                  <a:latin typeface="Aharoni" panose="02010803020104030203" pitchFamily="2" charset="-79"/>
+                  <a:cs typeface="Aharoni" panose="02010803020104030203" pitchFamily="2" charset="-79"/>
+                </a:rPr>
+                <a:t>Template Based </a:t>
+              </a:r>
+            </a:p>
+            <a:p>
+              <a:pPr algn="ctr"/>
+              <a:r>
+                <a:rPr lang="en-US" altLang="ko-KR" sz="1100" dirty="0">
+                  <a:solidFill>
+                    <a:schemeClr val="bg1">
+                      <a:lumMod val="65000"/>
+                    </a:schemeClr>
+                  </a:solidFill>
+                  <a:latin typeface="Aharoni" panose="02010803020104030203" pitchFamily="2" charset="-79"/>
+                  <a:cs typeface="Aharoni" panose="02010803020104030203" pitchFamily="2" charset="-79"/>
+                </a:rPr>
+                <a:t>Validation Framework for Vue.js</a:t>
+              </a:r>
+              <a:endParaRPr lang="ko-KR" altLang="en-US" sz="1100" dirty="0">
+                <a:solidFill>
+                  <a:schemeClr val="bg1">
+                    <a:lumMod val="65000"/>
+                  </a:schemeClr>
+                </a:solidFill>
+                <a:latin typeface="Aharoni" panose="02010803020104030203" pitchFamily="2" charset="-79"/>
+                <a:cs typeface="Aharoni" panose="02010803020104030203" pitchFamily="2" charset="-79"/>
+              </a:endParaRPr>
+            </a:p>
+          </p:txBody>
+        </p:sp>
+      </p:grpSp>
+      <p:grpSp>
+        <p:nvGrpSpPr>
+          <p:cNvPr id="19" name="그룹 18">
+            <a:extLst>
+              <a:ext uri="{FF2B5EF4-FFF2-40B4-BE49-F238E27FC236}">
+                <a16:creationId xmlns:a16="http://schemas.microsoft.com/office/drawing/2014/main" id="{364CEE67-7F88-44DB-8832-E384798756A3}"/>
+              </a:ext>
+            </a:extLst>
+          </p:cNvPr>
+          <p:cNvGrpSpPr/>
+          <p:nvPr/>
+        </p:nvGrpSpPr>
+        <p:grpSpPr>
+          <a:xfrm>
+            <a:off x="900376" y="1501369"/>
+            <a:ext cx="2486578" cy="817984"/>
+            <a:chOff x="900376" y="1501369"/>
+            <a:chExt cx="2486578" cy="817984"/>
+          </a:xfrm>
+        </p:grpSpPr>
+        <p:pic>
+          <p:nvPicPr>
+            <p:cNvPr id="1040" name="Picture 16" descr="lodashì ëí ì´ë¯¸ì§ ê²ìê²°ê³¼">
+              <a:extLst>
+                <a:ext uri="{FF2B5EF4-FFF2-40B4-BE49-F238E27FC236}">
+                  <a16:creationId xmlns:a16="http://schemas.microsoft.com/office/drawing/2014/main" id="{354A8FF2-0F89-42C7-8DDC-CE2F2FDC2F4C}"/>
+                </a:ext>
+              </a:extLst>
+            </p:cNvPr>
+            <p:cNvPicPr>
+              <a:picLocks noChangeAspect="1" noChangeArrowheads="1"/>
+            </p:cNvPicPr>
+            <p:nvPr/>
+          </p:nvPicPr>
+          <p:blipFill rotWithShape="1">
+            <a:blip r:embed="rId15">
+              <a:extLst>
+                <a:ext uri="{28A0092B-C50C-407E-A947-70E740481C1C}">
+                  <a14:useLocalDpi xmlns:a14="http://schemas.microsoft.com/office/drawing/2010/main" val="0"/>
+                </a:ext>
+              </a:extLst>
+            </a:blip>
+            <a:srcRect t="22042" r="5289" b="22042"/>
+            <a:stretch/>
+          </p:blipFill>
+          <p:spPr bwMode="auto">
+            <a:xfrm>
+              <a:off x="1224952" y="1501369"/>
+              <a:ext cx="1837426" cy="610420"/>
+            </a:xfrm>
+            <a:prstGeom prst="rect">
+              <a:avLst/>
+            </a:prstGeom>
+            <a:noFill/>
+            <a:extLst>
+              <a:ext uri="{909E8E84-426E-40DD-AFC4-6F175D3DCCD1}">
+                <a14:hiddenFill xmlns:a14="http://schemas.microsoft.com/office/drawing/2010/main">
+                  <a:solidFill>
+                    <a:srgbClr val="FFFFFF"/>
+                  </a:solidFill>
+                </a14:hiddenFill>
+              </a:ext>
+            </a:extLst>
+          </p:spPr>
+        </p:pic>
+        <p:sp>
+          <p:nvSpPr>
+            <p:cNvPr id="18" name="직사각형 17">
+              <a:extLst>
+                <a:ext uri="{FF2B5EF4-FFF2-40B4-BE49-F238E27FC236}">
+                  <a16:creationId xmlns:a16="http://schemas.microsoft.com/office/drawing/2014/main" id="{A2F4581A-AC00-48EE-A351-1EE57E263DE8}"/>
+                </a:ext>
+              </a:extLst>
+            </p:cNvPr>
+            <p:cNvSpPr/>
+            <p:nvPr/>
+          </p:nvSpPr>
+          <p:spPr>
+            <a:xfrm>
+              <a:off x="900376" y="2057743"/>
+              <a:ext cx="2486578" cy="261610"/>
+            </a:xfrm>
+            <a:prstGeom prst="rect">
+              <a:avLst/>
+            </a:prstGeom>
+            <a:noFill/>
+          </p:spPr>
+          <p:txBody>
+            <a:bodyPr wrap="none" rtlCol="0">
+              <a:spAutoFit/>
+            </a:bodyPr>
+            <a:lstStyle/>
+            <a:p>
+              <a:r>
+                <a:rPr lang="en-US" altLang="ko-KR" sz="1100" dirty="0">
+                  <a:solidFill>
+                    <a:schemeClr val="bg1">
+                      <a:lumMod val="65000"/>
+                    </a:schemeClr>
+                  </a:solidFill>
+                  <a:latin typeface="Aharoni" panose="02010803020104030203" pitchFamily="2" charset="-79"/>
+                  <a:cs typeface="Aharoni" panose="02010803020104030203" pitchFamily="2" charset="-79"/>
+                </a:rPr>
+                <a:t>A modern JavaScript utility library</a:t>
+              </a:r>
+            </a:p>
+          </p:txBody>
+        </p:sp>
+      </p:grpSp>
+      <p:grpSp>
+        <p:nvGrpSpPr>
+          <p:cNvPr id="23" name="그룹 22">
+            <a:extLst>
+              <a:ext uri="{FF2B5EF4-FFF2-40B4-BE49-F238E27FC236}">
+                <a16:creationId xmlns:a16="http://schemas.microsoft.com/office/drawing/2014/main" id="{43F526E6-0469-46FA-8C42-35A0B6ECFA10}"/>
+              </a:ext>
+            </a:extLst>
+          </p:cNvPr>
+          <p:cNvGrpSpPr/>
+          <p:nvPr/>
+        </p:nvGrpSpPr>
+        <p:grpSpPr>
+          <a:xfrm>
+            <a:off x="984691" y="328457"/>
+            <a:ext cx="2064989" cy="1078886"/>
+            <a:chOff x="1052172" y="576485"/>
+            <a:chExt cx="2064989" cy="1078886"/>
+          </a:xfrm>
+        </p:grpSpPr>
+        <p:sp>
+          <p:nvSpPr>
+            <p:cNvPr id="20" name="직사각형 19">
+              <a:extLst>
+                <a:ext uri="{FF2B5EF4-FFF2-40B4-BE49-F238E27FC236}">
+                  <a16:creationId xmlns:a16="http://schemas.microsoft.com/office/drawing/2014/main" id="{ED9CA780-92EA-437C-B0B2-C944F19F955F}"/>
+                </a:ext>
+              </a:extLst>
+            </p:cNvPr>
+            <p:cNvSpPr/>
+            <p:nvPr/>
+          </p:nvSpPr>
+          <p:spPr>
+            <a:xfrm>
+              <a:off x="1052172" y="1224484"/>
+              <a:ext cx="2064989" cy="430887"/>
+            </a:xfrm>
+            <a:prstGeom prst="rect">
+              <a:avLst/>
+            </a:prstGeom>
+            <a:noFill/>
+          </p:spPr>
+          <p:txBody>
+            <a:bodyPr wrap="none" rtlCol="0">
+              <a:spAutoFit/>
+            </a:bodyPr>
+            <a:lstStyle/>
+            <a:p>
+              <a:pPr algn="ctr"/>
+              <a:r>
+                <a:rPr lang="en-US" altLang="ko-KR" sz="1100" dirty="0">
+                  <a:solidFill>
+                    <a:schemeClr val="bg1">
+                      <a:lumMod val="65000"/>
+                    </a:schemeClr>
+                  </a:solidFill>
+                  <a:latin typeface="Aharoni" panose="02010803020104030203" pitchFamily="2" charset="-79"/>
+                  <a:cs typeface="Aharoni" panose="02010803020104030203" pitchFamily="2" charset="-79"/>
+                </a:rPr>
+                <a:t> fast, small, and feature-rich </a:t>
+              </a:r>
+            </a:p>
+            <a:p>
+              <a:pPr algn="ctr"/>
+              <a:r>
+                <a:rPr lang="en-US" altLang="ko-KR" sz="1100" dirty="0">
+                  <a:solidFill>
+                    <a:schemeClr val="bg1">
+                      <a:lumMod val="65000"/>
+                    </a:schemeClr>
+                  </a:solidFill>
+                  <a:latin typeface="Aharoni" panose="02010803020104030203" pitchFamily="2" charset="-79"/>
+                  <a:cs typeface="Aharoni" panose="02010803020104030203" pitchFamily="2" charset="-79"/>
+                </a:rPr>
+                <a:t>JavaScript library</a:t>
+              </a:r>
+              <a:endParaRPr lang="ko-KR" altLang="en-US" sz="1100" dirty="0">
+                <a:solidFill>
+                  <a:schemeClr val="bg1">
+                    <a:lumMod val="65000"/>
+                  </a:schemeClr>
+                </a:solidFill>
+                <a:latin typeface="Aharoni" panose="02010803020104030203" pitchFamily="2" charset="-79"/>
+                <a:cs typeface="Aharoni" panose="02010803020104030203" pitchFamily="2" charset="-79"/>
+              </a:endParaRPr>
+            </a:p>
+          </p:txBody>
+        </p:sp>
+        <p:pic>
+          <p:nvPicPr>
+            <p:cNvPr id="1054" name="Picture 30" descr="jqueryì ëí ì´ë¯¸ì§ ê²ìê²°ê³¼">
+              <a:extLst>
+                <a:ext uri="{FF2B5EF4-FFF2-40B4-BE49-F238E27FC236}">
+                  <a16:creationId xmlns:a16="http://schemas.microsoft.com/office/drawing/2014/main" id="{8AADD2DA-0CF6-4320-8262-B302CA716376}"/>
+                </a:ext>
+              </a:extLst>
+            </p:cNvPr>
+            <p:cNvPicPr>
+              <a:picLocks noChangeAspect="1" noChangeArrowheads="1"/>
+            </p:cNvPicPr>
+            <p:nvPr/>
+          </p:nvPicPr>
+          <p:blipFill>
+            <a:blip r:embed="rId16">
+              <a:extLst>
+                <a:ext uri="{28A0092B-C50C-407E-A947-70E740481C1C}">
+                  <a14:useLocalDpi xmlns:a14="http://schemas.microsoft.com/office/drawing/2010/main" val="0"/>
+                </a:ext>
+              </a:extLst>
+            </a:blip>
+            <a:srcRect/>
+            <a:stretch>
+              <a:fillRect/>
+            </a:stretch>
+          </p:blipFill>
+          <p:spPr bwMode="auto">
+            <a:xfrm>
+              <a:off x="1742535" y="576485"/>
+              <a:ext cx="684265" cy="684265"/>
+            </a:xfrm>
+            <a:prstGeom prst="rect">
+              <a:avLst/>
+            </a:prstGeom>
+            <a:noFill/>
+            <a:extLst>
+              <a:ext uri="{909E8E84-426E-40DD-AFC4-6F175D3DCCD1}">
+                <a14:hiddenFill xmlns:a14="http://schemas.microsoft.com/office/drawing/2010/main">
+                  <a:solidFill>
+                    <a:srgbClr val="FFFFFF"/>
+                  </a:solidFill>
+                </a14:hiddenFill>
+              </a:ext>
+            </a:extLst>
+          </p:spPr>
+        </p:pic>
+      </p:grpSp>
+    </p:spTree>
+    <p:extLst>
+      <p:ext uri="{BB962C8B-B14F-4D97-AF65-F5344CB8AC3E}">
+        <p14:creationId xmlns:p14="http://schemas.microsoft.com/office/powerpoint/2010/main" val="2732492621"/>
       </p:ext>
     </p:extLst>
   </p:cSld>
